--- a/Document/tungdn.pptx
+++ b/Document/tungdn.pptx
@@ -8,7 +8,9 @@
     <p:sldId id="262" r:id="rId2"/>
     <p:sldId id="258" r:id="rId3"/>
     <p:sldId id="263" r:id="rId4"/>
-    <p:sldId id="265" r:id="rId5"/>
+    <p:sldId id="266" r:id="rId5"/>
+    <p:sldId id="265" r:id="rId6"/>
+    <p:sldId id="267" r:id="rId7"/>
   </p:sldIdLst>
   <p:sldSz cx="9144000" cy="6858000" type="screen4x3"/>
   <p:notesSz cx="6858000" cy="9144000"/>
@@ -10334,6 +10336,421 @@
       </p:grpSpPr>
       <p:sp>
         <p:nvSpPr>
+          <p:cNvPr id="2" name="Rectangle 1"/>
+          <p:cNvSpPr/>
+          <p:nvPr/>
+        </p:nvSpPr>
+        <p:spPr>
+          <a:xfrm>
+            <a:off x="0" y="0"/>
+            <a:ext cx="1828800" cy="6858000"/>
+          </a:xfrm>
+          <a:prstGeom prst="rect">
+            <a:avLst/>
+          </a:prstGeom>
+          <a:solidFill>
+            <a:schemeClr val="bg1">
+              <a:lumMod val="95000"/>
+            </a:schemeClr>
+          </a:solidFill>
+          <a:ln>
+            <a:noFill/>
+          </a:ln>
+        </p:spPr>
+        <p:style>
+          <a:lnRef idx="2">
+            <a:schemeClr val="accent1">
+              <a:shade val="50000"/>
+            </a:schemeClr>
+          </a:lnRef>
+          <a:fillRef idx="1">
+            <a:schemeClr val="accent1"/>
+          </a:fillRef>
+          <a:effectRef idx="0">
+            <a:schemeClr val="accent1"/>
+          </a:effectRef>
+          <a:fontRef idx="minor">
+            <a:schemeClr val="lt1"/>
+          </a:fontRef>
+        </p:style>
+        <p:txBody>
+          <a:bodyPr rtlCol="0" anchor="ctr"/>
+          <a:lstStyle/>
+          <a:p>
+            <a:pPr algn="ctr"/>
+            <a:endParaRPr lang="en-US" dirty="0"/>
+          </a:p>
+        </p:txBody>
+      </p:sp>
+      <p:pic>
+        <p:nvPicPr>
+          <p:cNvPr id="3" name="Picture 2" descr="C:\Users\iLucas\Desktop\logo_fpt_university_doc copy.png"/>
+          <p:cNvPicPr>
+            <a:picLocks noChangeAspect="1" noChangeArrowheads="1"/>
+          </p:cNvPicPr>
+          <p:nvPr/>
+        </p:nvPicPr>
+        <p:blipFill>
+          <a:blip r:embed="rId2" cstate="print">
+            <a:extLst>
+              <a:ext uri="{28A0092B-C50C-407E-A947-70E740481C1C}">
+                <a14:useLocalDpi xmlns:a14="http://schemas.microsoft.com/office/drawing/2010/main" val="0"/>
+              </a:ext>
+            </a:extLst>
+          </a:blip>
+          <a:srcRect/>
+          <a:stretch>
+            <a:fillRect/>
+          </a:stretch>
+        </p:blipFill>
+        <p:spPr bwMode="auto">
+          <a:xfrm>
+            <a:off x="415580" y="66329"/>
+            <a:ext cx="997640" cy="773302"/>
+          </a:xfrm>
+          <a:prstGeom prst="rect">
+            <a:avLst/>
+          </a:prstGeom>
+          <a:noFill/>
+          <a:extLst>
+            <a:ext uri="{909E8E84-426E-40DD-AFC4-6F175D3DCCD1}">
+              <a14:hiddenFill xmlns:a14="http://schemas.microsoft.com/office/drawing/2010/main">
+                <a:solidFill>
+                  <a:srgbClr val="FFFFFF"/>
+                </a:solidFill>
+              </a14:hiddenFill>
+            </a:ext>
+          </a:extLst>
+        </p:spPr>
+      </p:pic>
+      <p:sp>
+        <p:nvSpPr>
+          <p:cNvPr id="4" name="Rectangle 3"/>
+          <p:cNvSpPr/>
+          <p:nvPr/>
+        </p:nvSpPr>
+        <p:spPr>
+          <a:xfrm>
+            <a:off x="0" y="1219200"/>
+            <a:ext cx="1828800" cy="548640"/>
+          </a:xfrm>
+          <a:prstGeom prst="rect">
+            <a:avLst/>
+          </a:prstGeom>
+          <a:solidFill>
+            <a:schemeClr val="bg1">
+              <a:lumMod val="50000"/>
+            </a:schemeClr>
+          </a:solidFill>
+          <a:ln>
+            <a:noFill/>
+          </a:ln>
+        </p:spPr>
+        <p:style>
+          <a:lnRef idx="2">
+            <a:schemeClr val="accent1">
+              <a:shade val="50000"/>
+            </a:schemeClr>
+          </a:lnRef>
+          <a:fillRef idx="1">
+            <a:schemeClr val="accent1"/>
+          </a:fillRef>
+          <a:effectRef idx="0">
+            <a:schemeClr val="accent1"/>
+          </a:effectRef>
+          <a:fontRef idx="minor">
+            <a:schemeClr val="lt1"/>
+          </a:fontRef>
+        </p:style>
+        <p:txBody>
+          <a:bodyPr lIns="822960" rtlCol="0" anchor="ctr"/>
+          <a:lstStyle/>
+          <a:p>
+            <a:endParaRPr lang="en-US" sz="2400" dirty="0">
+              <a:latin typeface="Segoe UI Light" pitchFamily="34" charset="0"/>
+              <a:cs typeface="Segoe UI Light" pitchFamily="34" charset="0"/>
+            </a:endParaRPr>
+          </a:p>
+        </p:txBody>
+      </p:sp>
+      <p:sp>
+        <p:nvSpPr>
+          <p:cNvPr id="5" name="Rectangle 4"/>
+          <p:cNvSpPr/>
+          <p:nvPr/>
+        </p:nvSpPr>
+        <p:spPr>
+          <a:xfrm>
+            <a:off x="0" y="1753925"/>
+            <a:ext cx="1828800" cy="397431"/>
+          </a:xfrm>
+          <a:prstGeom prst="rect">
+            <a:avLst/>
+          </a:prstGeom>
+          <a:solidFill>
+            <a:srgbClr val="7030A0"/>
+          </a:solidFill>
+          <a:ln>
+            <a:noFill/>
+          </a:ln>
+        </p:spPr>
+        <p:style>
+          <a:lnRef idx="2">
+            <a:schemeClr val="accent1">
+              <a:shade val="50000"/>
+            </a:schemeClr>
+          </a:lnRef>
+          <a:fillRef idx="1">
+            <a:schemeClr val="accent1"/>
+          </a:fillRef>
+          <a:effectRef idx="0">
+            <a:schemeClr val="accent1"/>
+          </a:effectRef>
+          <a:fontRef idx="minor">
+            <a:schemeClr val="lt1"/>
+          </a:fontRef>
+        </p:style>
+        <p:txBody>
+          <a:bodyPr lIns="822960" rtlCol="0" anchor="ctr"/>
+          <a:lstStyle/>
+          <a:p>
+            <a:endParaRPr lang="en-US" sz="2400" dirty="0">
+              <a:solidFill>
+                <a:schemeClr val="tx1">
+                  <a:lumMod val="75000"/>
+                  <a:lumOff val="25000"/>
+                </a:schemeClr>
+              </a:solidFill>
+              <a:latin typeface="Segoe UI Light" pitchFamily="34" charset="0"/>
+              <a:cs typeface="Segoe UI Light" pitchFamily="34" charset="0"/>
+            </a:endParaRPr>
+          </a:p>
+        </p:txBody>
+      </p:sp>
+      <p:sp>
+        <p:nvSpPr>
+          <p:cNvPr id="6" name="TextBox 5"/>
+          <p:cNvSpPr txBox="1"/>
+          <p:nvPr/>
+        </p:nvSpPr>
+        <p:spPr>
+          <a:xfrm>
+            <a:off x="1" y="1307471"/>
+            <a:ext cx="1814884" cy="430887"/>
+          </a:xfrm>
+          <a:prstGeom prst="rect">
+            <a:avLst/>
+          </a:prstGeom>
+          <a:noFill/>
+        </p:spPr>
+        <p:txBody>
+          <a:bodyPr wrap="square" rtlCol="0">
+            <a:spAutoFit/>
+          </a:bodyPr>
+          <a:lstStyle/>
+          <a:p>
+            <a:r>
+              <a:rPr lang="en-US" sz="2200" dirty="0" smtClean="0">
+                <a:solidFill>
+                  <a:schemeClr val="bg1"/>
+                </a:solidFill>
+                <a:latin typeface="Segoe UI Light" pitchFamily="34" charset="0"/>
+                <a:cs typeface="Segoe UI Light" pitchFamily="34" charset="0"/>
+              </a:rPr>
+              <a:t>DropIt Project</a:t>
+            </a:r>
+            <a:endParaRPr lang="en-US" sz="2200" dirty="0">
+              <a:solidFill>
+                <a:schemeClr val="bg1"/>
+              </a:solidFill>
+              <a:latin typeface="Segoe UI Light" pitchFamily="34" charset="0"/>
+              <a:cs typeface="Segoe UI Light" pitchFamily="34" charset="0"/>
+            </a:endParaRPr>
+          </a:p>
+        </p:txBody>
+      </p:sp>
+      <p:sp>
+        <p:nvSpPr>
+          <p:cNvPr id="7" name="TextBox 6"/>
+          <p:cNvSpPr txBox="1"/>
+          <p:nvPr/>
+        </p:nvSpPr>
+        <p:spPr>
+          <a:xfrm>
+            <a:off x="0" y="1798751"/>
+            <a:ext cx="1814885" cy="369332"/>
+          </a:xfrm>
+          <a:prstGeom prst="rect">
+            <a:avLst/>
+          </a:prstGeom>
+          <a:noFill/>
+        </p:spPr>
+        <p:txBody>
+          <a:bodyPr wrap="square" rtlCol="0">
+            <a:spAutoFit/>
+          </a:bodyPr>
+          <a:lstStyle/>
+          <a:p>
+            <a:pPr marL="285750" indent="-285750">
+              <a:buFont typeface="Wingdings" pitchFamily="2" charset="2"/>
+              <a:buChar char="Ø"/>
+            </a:pPr>
+            <a:r>
+              <a:rPr lang="en-US" dirty="0" smtClean="0">
+                <a:solidFill>
+                  <a:schemeClr val="bg1"/>
+                </a:solidFill>
+                <a:latin typeface="Segoe UI Light" pitchFamily="34" charset="0"/>
+                <a:cs typeface="Segoe UI Light" pitchFamily="34" charset="0"/>
+              </a:rPr>
+              <a:t>User Rating</a:t>
+            </a:r>
+            <a:endParaRPr lang="en-US" dirty="0">
+              <a:solidFill>
+                <a:schemeClr val="bg1"/>
+              </a:solidFill>
+              <a:latin typeface="Segoe UI Light" pitchFamily="34" charset="0"/>
+              <a:cs typeface="Segoe UI Light" pitchFamily="34" charset="0"/>
+            </a:endParaRPr>
+          </a:p>
+        </p:txBody>
+      </p:sp>
+      <p:sp>
+        <p:nvSpPr>
+          <p:cNvPr id="8" name="Rectangle 7"/>
+          <p:cNvSpPr/>
+          <p:nvPr/>
+        </p:nvSpPr>
+        <p:spPr>
+          <a:xfrm>
+            <a:off x="1750253" y="2286000"/>
+            <a:ext cx="7292766" cy="923330"/>
+          </a:xfrm>
+          <a:prstGeom prst="rect">
+            <a:avLst/>
+          </a:prstGeom>
+          <a:noFill/>
+        </p:spPr>
+        <p:txBody>
+          <a:bodyPr wrap="none" lIns="91440" tIns="45720" rIns="91440" bIns="45720">
+            <a:spAutoFit/>
+          </a:bodyPr>
+          <a:lstStyle/>
+          <a:p>
+            <a:pPr algn="ctr"/>
+            <a:r>
+              <a:rPr lang="en-US" sz="5400" b="1" cap="none" spc="0" dirty="0" smtClean="0">
+                <a:ln w="1905"/>
+                <a:gradFill>
+                  <a:gsLst>
+                    <a:gs pos="0">
+                      <a:schemeClr val="accent6">
+                        <a:shade val="20000"/>
+                        <a:satMod val="200000"/>
+                      </a:schemeClr>
+                    </a:gs>
+                    <a:gs pos="78000">
+                      <a:schemeClr val="accent6">
+                        <a:tint val="90000"/>
+                        <a:shade val="89000"/>
+                        <a:satMod val="220000"/>
+                      </a:schemeClr>
+                    </a:gs>
+                    <a:gs pos="100000">
+                      <a:schemeClr val="accent6">
+                        <a:tint val="12000"/>
+                        <a:satMod val="255000"/>
+                      </a:schemeClr>
+                    </a:gs>
+                  </a:gsLst>
+                  <a:lin ang="5400000"/>
+                </a:gradFill>
+                <a:effectLst>
+                  <a:innerShdw blurRad="69850" dist="43180" dir="5400000">
+                    <a:srgbClr val="000000">
+                      <a:alpha val="65000"/>
+                    </a:srgbClr>
+                  </a:innerShdw>
+                </a:effectLst>
+              </a:rPr>
+              <a:t>Pseudo code User Rating</a:t>
+            </a:r>
+            <a:endParaRPr lang="en-US" sz="5400" b="1" cap="none" spc="0" dirty="0">
+              <a:ln w="1905"/>
+              <a:gradFill>
+                <a:gsLst>
+                  <a:gs pos="0">
+                    <a:schemeClr val="accent6">
+                      <a:shade val="20000"/>
+                      <a:satMod val="200000"/>
+                    </a:schemeClr>
+                  </a:gs>
+                  <a:gs pos="78000">
+                    <a:schemeClr val="accent6">
+                      <a:tint val="90000"/>
+                      <a:shade val="89000"/>
+                      <a:satMod val="220000"/>
+                    </a:schemeClr>
+                  </a:gs>
+                  <a:gs pos="100000">
+                    <a:schemeClr val="accent6">
+                      <a:tint val="12000"/>
+                      <a:satMod val="255000"/>
+                    </a:schemeClr>
+                  </a:gs>
+                </a:gsLst>
+                <a:lin ang="5400000"/>
+              </a:gradFill>
+              <a:effectLst>
+                <a:innerShdw blurRad="69850" dist="43180" dir="5400000">
+                  <a:srgbClr val="000000">
+                    <a:alpha val="65000"/>
+                  </a:srgbClr>
+                </a:innerShdw>
+              </a:effectLst>
+            </a:endParaRPr>
+          </a:p>
+        </p:txBody>
+      </p:sp>
+    </p:spTree>
+    <p:extLst>
+      <p:ext uri="{BB962C8B-B14F-4D97-AF65-F5344CB8AC3E}">
+        <p14:creationId xmlns:p14="http://schemas.microsoft.com/office/powerpoint/2010/main" val="1668325815"/>
+      </p:ext>
+    </p:extLst>
+  </p:cSld>
+  <p:clrMapOvr>
+    <a:masterClrMapping/>
+  </p:clrMapOvr>
+  <p:timing>
+    <p:tnLst>
+      <p:par>
+        <p:cTn id="1" dur="indefinite" restart="never" nodeType="tmRoot"/>
+      </p:par>
+    </p:tnLst>
+  </p:timing>
+</p:sld>
+</file>
+
+<file path=ppt/slides/slide5.xml><?xml version="1.0" encoding="utf-8"?>
+<p:sld xmlns:a="http://schemas.openxmlformats.org/drawingml/2006/main" xmlns:r="http://schemas.openxmlformats.org/officeDocument/2006/relationships" xmlns:p="http://schemas.openxmlformats.org/presentationml/2006/main">
+  <p:cSld>
+    <p:spTree>
+      <p:nvGrpSpPr>
+        <p:cNvPr id="1" name=""/>
+        <p:cNvGrpSpPr/>
+        <p:nvPr/>
+      </p:nvGrpSpPr>
+      <p:grpSpPr>
+        <a:xfrm>
+          <a:off x="0" y="0"/>
+          <a:ext cx="0" cy="0"/>
+          <a:chOff x="0" y="0"/>
+          <a:chExt cx="0" cy="0"/>
+        </a:xfrm>
+      </p:grpSpPr>
+      <p:sp>
+        <p:nvSpPr>
           <p:cNvPr id="3" name="Content Placeholder 2"/>
           <p:cNvSpPr>
             <a:spLocks noGrp="1"/>
@@ -10344,7 +10761,7 @@
         </p:nvSpPr>
         <p:spPr>
           <a:xfrm>
-            <a:off x="457200" y="1066800"/>
+            <a:off x="1219200" y="457200"/>
             <a:ext cx="8229600" cy="4525963"/>
           </a:xfrm>
         </p:spPr>
@@ -10359,7 +10776,15 @@
             </a:pPr>
             <a:r>
               <a:rPr lang="en-US" sz="8000" dirty="0" smtClean="0"/>
-              <a:t>Count all bought ticket</a:t>
+              <a:t>Count </a:t>
+            </a:r>
+            <a:r>
+              <a:rPr lang="en-US" sz="8000" dirty="0" smtClean="0"/>
+              <a:t>total bought </a:t>
+            </a:r>
+            <a:r>
+              <a:rPr lang="en-US" sz="8000" dirty="0" smtClean="0"/>
+              <a:t>ticket</a:t>
             </a:r>
           </a:p>
           <a:p>
@@ -10368,7 +10793,15 @@
             </a:pPr>
             <a:r>
               <a:rPr lang="en-US" sz="8000" dirty="0" smtClean="0"/>
-              <a:t>Count all sold ticket</a:t>
+              <a:t>Count </a:t>
+            </a:r>
+            <a:r>
+              <a:rPr lang="en-US" sz="8000" dirty="0" smtClean="0"/>
+              <a:t>total sold </a:t>
+            </a:r>
+            <a:r>
+              <a:rPr lang="en-US" sz="8000" dirty="0" smtClean="0"/>
+              <a:t>ticket</a:t>
             </a:r>
           </a:p>
           <a:p>
@@ -10377,7 +10810,15 @@
             </a:pPr>
             <a:r>
               <a:rPr lang="en-US" sz="8000" dirty="0" smtClean="0"/>
-              <a:t>Count all invalid sold ticket</a:t>
+              <a:t>Count </a:t>
+            </a:r>
+            <a:r>
+              <a:rPr lang="en-US" sz="8000" dirty="0" smtClean="0"/>
+              <a:t>total invalid </a:t>
+            </a:r>
+            <a:r>
+              <a:rPr lang="en-US" sz="8000" dirty="0" smtClean="0"/>
+              <a:t>sold ticket</a:t>
             </a:r>
           </a:p>
           <a:p>
@@ -10422,7 +10863,15 @@
             </a:pPr>
             <a:r>
               <a:rPr lang="en-US" sz="8000" dirty="0" smtClean="0"/>
-              <a:t>	else if (total bought ticket &gt;= 50)</a:t>
+              <a:t>	</a:t>
+            </a:r>
+            <a:r>
+              <a:rPr lang="en-US" sz="8000" dirty="0" smtClean="0"/>
+              <a:t>if </a:t>
+            </a:r>
+            <a:r>
+              <a:rPr lang="en-US" sz="8000" dirty="0" smtClean="0"/>
+              <a:t>(total bought ticket &gt;= 50)</a:t>
             </a:r>
           </a:p>
           <a:p>
@@ -10476,7 +10925,15 @@
             </a:pPr>
             <a:r>
               <a:rPr lang="en-US" sz="8000" dirty="0" smtClean="0"/>
-              <a:t>	else if (total bought ticket &gt;= 50)</a:t>
+              <a:t>	</a:t>
+            </a:r>
+            <a:r>
+              <a:rPr lang="en-US" sz="8000" dirty="0" smtClean="0"/>
+              <a:t>if </a:t>
+            </a:r>
+            <a:r>
+              <a:rPr lang="en-US" sz="8000" dirty="0" smtClean="0"/>
+              <a:t>(total bought ticket &gt;= 50)</a:t>
             </a:r>
           </a:p>
           <a:p>
@@ -10515,6 +10972,1069 @@
     <p:extLst>
       <p:ext uri="{BB962C8B-B14F-4D97-AF65-F5344CB8AC3E}">
         <p14:creationId xmlns:p14="http://schemas.microsoft.com/office/powerpoint/2010/main" val="2196932781"/>
+      </p:ext>
+    </p:extLst>
+  </p:cSld>
+  <p:clrMapOvr>
+    <a:masterClrMapping/>
+  </p:clrMapOvr>
+  <p:timing>
+    <p:tnLst>
+      <p:par>
+        <p:cTn id="1" dur="indefinite" restart="never" nodeType="tmRoot">
+          <p:childTnLst>
+            <p:seq concurrent="1" nextAc="seek">
+              <p:cTn id="2" dur="indefinite" nodeType="mainSeq">
+                <p:childTnLst>
+                  <p:par>
+                    <p:cTn id="3" fill="hold">
+                      <p:stCondLst>
+                        <p:cond delay="indefinite"/>
+                      </p:stCondLst>
+                      <p:childTnLst>
+                        <p:par>
+                          <p:cTn id="4" fill="hold">
+                            <p:stCondLst>
+                              <p:cond delay="0"/>
+                            </p:stCondLst>
+                            <p:childTnLst>
+                              <p:par>
+                                <p:cTn id="5" presetID="10" presetClass="entr" presetSubtype="0" fill="hold" nodeType="clickEffect">
+                                  <p:stCondLst>
+                                    <p:cond delay="0"/>
+                                  </p:stCondLst>
+                                  <p:childTnLst>
+                                    <p:set>
+                                      <p:cBhvr>
+                                        <p:cTn id="6" dur="1" fill="hold">
+                                          <p:stCondLst>
+                                            <p:cond delay="0"/>
+                                          </p:stCondLst>
+                                        </p:cTn>
+                                        <p:tgtEl>
+                                          <p:spTgt spid="3">
+                                            <p:txEl>
+                                              <p:pRg st="0" end="0"/>
+                                            </p:txEl>
+                                          </p:spTgt>
+                                        </p:tgtEl>
+                                        <p:attrNameLst>
+                                          <p:attrName>style.visibility</p:attrName>
+                                        </p:attrNameLst>
+                                      </p:cBhvr>
+                                      <p:to>
+                                        <p:strVal val="visible"/>
+                                      </p:to>
+                                    </p:set>
+                                    <p:animEffect transition="in" filter="fade">
+                                      <p:cBhvr>
+                                        <p:cTn id="7" dur="500"/>
+                                        <p:tgtEl>
+                                          <p:spTgt spid="3">
+                                            <p:txEl>
+                                              <p:pRg st="0" end="0"/>
+                                            </p:txEl>
+                                          </p:spTgt>
+                                        </p:tgtEl>
+                                      </p:cBhvr>
+                                    </p:animEffect>
+                                  </p:childTnLst>
+                                </p:cTn>
+                              </p:par>
+                            </p:childTnLst>
+                          </p:cTn>
+                        </p:par>
+                      </p:childTnLst>
+                    </p:cTn>
+                  </p:par>
+                  <p:par>
+                    <p:cTn id="8" fill="hold">
+                      <p:stCondLst>
+                        <p:cond delay="indefinite"/>
+                      </p:stCondLst>
+                      <p:childTnLst>
+                        <p:par>
+                          <p:cTn id="9" fill="hold">
+                            <p:stCondLst>
+                              <p:cond delay="0"/>
+                            </p:stCondLst>
+                            <p:childTnLst>
+                              <p:par>
+                                <p:cTn id="10" presetID="10" presetClass="entr" presetSubtype="0" fill="hold" nodeType="clickEffect">
+                                  <p:stCondLst>
+                                    <p:cond delay="0"/>
+                                  </p:stCondLst>
+                                  <p:childTnLst>
+                                    <p:set>
+                                      <p:cBhvr>
+                                        <p:cTn id="11" dur="1" fill="hold">
+                                          <p:stCondLst>
+                                            <p:cond delay="0"/>
+                                          </p:stCondLst>
+                                        </p:cTn>
+                                        <p:tgtEl>
+                                          <p:spTgt spid="3">
+                                            <p:txEl>
+                                              <p:pRg st="1" end="1"/>
+                                            </p:txEl>
+                                          </p:spTgt>
+                                        </p:tgtEl>
+                                        <p:attrNameLst>
+                                          <p:attrName>style.visibility</p:attrName>
+                                        </p:attrNameLst>
+                                      </p:cBhvr>
+                                      <p:to>
+                                        <p:strVal val="visible"/>
+                                      </p:to>
+                                    </p:set>
+                                    <p:animEffect transition="in" filter="fade">
+                                      <p:cBhvr>
+                                        <p:cTn id="12" dur="500"/>
+                                        <p:tgtEl>
+                                          <p:spTgt spid="3">
+                                            <p:txEl>
+                                              <p:pRg st="1" end="1"/>
+                                            </p:txEl>
+                                          </p:spTgt>
+                                        </p:tgtEl>
+                                      </p:cBhvr>
+                                    </p:animEffect>
+                                  </p:childTnLst>
+                                </p:cTn>
+                              </p:par>
+                            </p:childTnLst>
+                          </p:cTn>
+                        </p:par>
+                      </p:childTnLst>
+                    </p:cTn>
+                  </p:par>
+                  <p:par>
+                    <p:cTn id="13" fill="hold">
+                      <p:stCondLst>
+                        <p:cond delay="indefinite"/>
+                      </p:stCondLst>
+                      <p:childTnLst>
+                        <p:par>
+                          <p:cTn id="14" fill="hold">
+                            <p:stCondLst>
+                              <p:cond delay="0"/>
+                            </p:stCondLst>
+                            <p:childTnLst>
+                              <p:par>
+                                <p:cTn id="15" presetID="10" presetClass="entr" presetSubtype="0" fill="hold" nodeType="clickEffect">
+                                  <p:stCondLst>
+                                    <p:cond delay="0"/>
+                                  </p:stCondLst>
+                                  <p:childTnLst>
+                                    <p:set>
+                                      <p:cBhvr>
+                                        <p:cTn id="16" dur="1" fill="hold">
+                                          <p:stCondLst>
+                                            <p:cond delay="0"/>
+                                          </p:stCondLst>
+                                        </p:cTn>
+                                        <p:tgtEl>
+                                          <p:spTgt spid="3">
+                                            <p:txEl>
+                                              <p:pRg st="2" end="2"/>
+                                            </p:txEl>
+                                          </p:spTgt>
+                                        </p:tgtEl>
+                                        <p:attrNameLst>
+                                          <p:attrName>style.visibility</p:attrName>
+                                        </p:attrNameLst>
+                                      </p:cBhvr>
+                                      <p:to>
+                                        <p:strVal val="visible"/>
+                                      </p:to>
+                                    </p:set>
+                                    <p:animEffect transition="in" filter="fade">
+                                      <p:cBhvr>
+                                        <p:cTn id="17" dur="500"/>
+                                        <p:tgtEl>
+                                          <p:spTgt spid="3">
+                                            <p:txEl>
+                                              <p:pRg st="2" end="2"/>
+                                            </p:txEl>
+                                          </p:spTgt>
+                                        </p:tgtEl>
+                                      </p:cBhvr>
+                                    </p:animEffect>
+                                  </p:childTnLst>
+                                </p:cTn>
+                              </p:par>
+                            </p:childTnLst>
+                          </p:cTn>
+                        </p:par>
+                      </p:childTnLst>
+                    </p:cTn>
+                  </p:par>
+                  <p:par>
+                    <p:cTn id="18" fill="hold">
+                      <p:stCondLst>
+                        <p:cond delay="indefinite"/>
+                      </p:stCondLst>
+                      <p:childTnLst>
+                        <p:par>
+                          <p:cTn id="19" fill="hold">
+                            <p:stCondLst>
+                              <p:cond delay="0"/>
+                            </p:stCondLst>
+                            <p:childTnLst>
+                              <p:par>
+                                <p:cTn id="20" presetID="10" presetClass="entr" presetSubtype="0" fill="hold" nodeType="clickEffect">
+                                  <p:stCondLst>
+                                    <p:cond delay="0"/>
+                                  </p:stCondLst>
+                                  <p:childTnLst>
+                                    <p:set>
+                                      <p:cBhvr>
+                                        <p:cTn id="21" dur="1" fill="hold">
+                                          <p:stCondLst>
+                                            <p:cond delay="0"/>
+                                          </p:stCondLst>
+                                        </p:cTn>
+                                        <p:tgtEl>
+                                          <p:spTgt spid="3">
+                                            <p:txEl>
+                                              <p:pRg st="3" end="3"/>
+                                            </p:txEl>
+                                          </p:spTgt>
+                                        </p:tgtEl>
+                                        <p:attrNameLst>
+                                          <p:attrName>style.visibility</p:attrName>
+                                        </p:attrNameLst>
+                                      </p:cBhvr>
+                                      <p:to>
+                                        <p:strVal val="visible"/>
+                                      </p:to>
+                                    </p:set>
+                                    <p:animEffect transition="in" filter="fade">
+                                      <p:cBhvr>
+                                        <p:cTn id="22" dur="500"/>
+                                        <p:tgtEl>
+                                          <p:spTgt spid="3">
+                                            <p:txEl>
+                                              <p:pRg st="3" end="3"/>
+                                            </p:txEl>
+                                          </p:spTgt>
+                                        </p:tgtEl>
+                                      </p:cBhvr>
+                                    </p:animEffect>
+                                  </p:childTnLst>
+                                </p:cTn>
+                              </p:par>
+                            </p:childTnLst>
+                          </p:cTn>
+                        </p:par>
+                      </p:childTnLst>
+                    </p:cTn>
+                  </p:par>
+                  <p:par>
+                    <p:cTn id="23" fill="hold">
+                      <p:stCondLst>
+                        <p:cond delay="indefinite"/>
+                      </p:stCondLst>
+                      <p:childTnLst>
+                        <p:par>
+                          <p:cTn id="24" fill="hold">
+                            <p:stCondLst>
+                              <p:cond delay="0"/>
+                            </p:stCondLst>
+                            <p:childTnLst>
+                              <p:par>
+                                <p:cTn id="25" presetID="10" presetClass="entr" presetSubtype="0" fill="hold" nodeType="clickEffect">
+                                  <p:stCondLst>
+                                    <p:cond delay="0"/>
+                                  </p:stCondLst>
+                                  <p:childTnLst>
+                                    <p:set>
+                                      <p:cBhvr>
+                                        <p:cTn id="26" dur="1" fill="hold">
+                                          <p:stCondLst>
+                                            <p:cond delay="0"/>
+                                          </p:stCondLst>
+                                        </p:cTn>
+                                        <p:tgtEl>
+                                          <p:spTgt spid="3">
+                                            <p:txEl>
+                                              <p:pRg st="4" end="4"/>
+                                            </p:txEl>
+                                          </p:spTgt>
+                                        </p:tgtEl>
+                                        <p:attrNameLst>
+                                          <p:attrName>style.visibility</p:attrName>
+                                        </p:attrNameLst>
+                                      </p:cBhvr>
+                                      <p:to>
+                                        <p:strVal val="visible"/>
+                                      </p:to>
+                                    </p:set>
+                                    <p:animEffect transition="in" filter="fade">
+                                      <p:cBhvr>
+                                        <p:cTn id="27" dur="500"/>
+                                        <p:tgtEl>
+                                          <p:spTgt spid="3">
+                                            <p:txEl>
+                                              <p:pRg st="4" end="4"/>
+                                            </p:txEl>
+                                          </p:spTgt>
+                                        </p:tgtEl>
+                                      </p:cBhvr>
+                                    </p:animEffect>
+                                  </p:childTnLst>
+                                </p:cTn>
+                              </p:par>
+                            </p:childTnLst>
+                          </p:cTn>
+                        </p:par>
+                      </p:childTnLst>
+                    </p:cTn>
+                  </p:par>
+                  <p:par>
+                    <p:cTn id="28" fill="hold">
+                      <p:stCondLst>
+                        <p:cond delay="indefinite"/>
+                      </p:stCondLst>
+                      <p:childTnLst>
+                        <p:par>
+                          <p:cTn id="29" fill="hold">
+                            <p:stCondLst>
+                              <p:cond delay="0"/>
+                            </p:stCondLst>
+                            <p:childTnLst>
+                              <p:par>
+                                <p:cTn id="30" presetID="10" presetClass="entr" presetSubtype="0" fill="hold" nodeType="clickEffect">
+                                  <p:stCondLst>
+                                    <p:cond delay="0"/>
+                                  </p:stCondLst>
+                                  <p:childTnLst>
+                                    <p:set>
+                                      <p:cBhvr>
+                                        <p:cTn id="31" dur="1" fill="hold">
+                                          <p:stCondLst>
+                                            <p:cond delay="0"/>
+                                          </p:stCondLst>
+                                        </p:cTn>
+                                        <p:tgtEl>
+                                          <p:spTgt spid="3">
+                                            <p:txEl>
+                                              <p:pRg st="5" end="5"/>
+                                            </p:txEl>
+                                          </p:spTgt>
+                                        </p:tgtEl>
+                                        <p:attrNameLst>
+                                          <p:attrName>style.visibility</p:attrName>
+                                        </p:attrNameLst>
+                                      </p:cBhvr>
+                                      <p:to>
+                                        <p:strVal val="visible"/>
+                                      </p:to>
+                                    </p:set>
+                                    <p:animEffect transition="in" filter="fade">
+                                      <p:cBhvr>
+                                        <p:cTn id="32" dur="500"/>
+                                        <p:tgtEl>
+                                          <p:spTgt spid="3">
+                                            <p:txEl>
+                                              <p:pRg st="5" end="5"/>
+                                            </p:txEl>
+                                          </p:spTgt>
+                                        </p:tgtEl>
+                                      </p:cBhvr>
+                                    </p:animEffect>
+                                  </p:childTnLst>
+                                </p:cTn>
+                              </p:par>
+                              <p:par>
+                                <p:cTn id="33" presetID="10" presetClass="entr" presetSubtype="0" fill="hold" nodeType="withEffect">
+                                  <p:stCondLst>
+                                    <p:cond delay="0"/>
+                                  </p:stCondLst>
+                                  <p:childTnLst>
+                                    <p:set>
+                                      <p:cBhvr>
+                                        <p:cTn id="34" dur="1" fill="hold">
+                                          <p:stCondLst>
+                                            <p:cond delay="0"/>
+                                          </p:stCondLst>
+                                        </p:cTn>
+                                        <p:tgtEl>
+                                          <p:spTgt spid="3">
+                                            <p:txEl>
+                                              <p:pRg st="6" end="6"/>
+                                            </p:txEl>
+                                          </p:spTgt>
+                                        </p:tgtEl>
+                                        <p:attrNameLst>
+                                          <p:attrName>style.visibility</p:attrName>
+                                        </p:attrNameLst>
+                                      </p:cBhvr>
+                                      <p:to>
+                                        <p:strVal val="visible"/>
+                                      </p:to>
+                                    </p:set>
+                                    <p:animEffect transition="in" filter="fade">
+                                      <p:cBhvr>
+                                        <p:cTn id="35" dur="500"/>
+                                        <p:tgtEl>
+                                          <p:spTgt spid="3">
+                                            <p:txEl>
+                                              <p:pRg st="6" end="6"/>
+                                            </p:txEl>
+                                          </p:spTgt>
+                                        </p:tgtEl>
+                                      </p:cBhvr>
+                                    </p:animEffect>
+                                  </p:childTnLst>
+                                </p:cTn>
+                              </p:par>
+                            </p:childTnLst>
+                          </p:cTn>
+                        </p:par>
+                      </p:childTnLst>
+                    </p:cTn>
+                  </p:par>
+                  <p:par>
+                    <p:cTn id="36" fill="hold">
+                      <p:stCondLst>
+                        <p:cond delay="indefinite"/>
+                      </p:stCondLst>
+                      <p:childTnLst>
+                        <p:par>
+                          <p:cTn id="37" fill="hold">
+                            <p:stCondLst>
+                              <p:cond delay="0"/>
+                            </p:stCondLst>
+                            <p:childTnLst>
+                              <p:par>
+                                <p:cTn id="38" presetID="10" presetClass="entr" presetSubtype="0" fill="hold" nodeType="clickEffect">
+                                  <p:stCondLst>
+                                    <p:cond delay="0"/>
+                                  </p:stCondLst>
+                                  <p:childTnLst>
+                                    <p:set>
+                                      <p:cBhvr>
+                                        <p:cTn id="39" dur="1" fill="hold">
+                                          <p:stCondLst>
+                                            <p:cond delay="0"/>
+                                          </p:stCondLst>
+                                        </p:cTn>
+                                        <p:tgtEl>
+                                          <p:spTgt spid="3">
+                                            <p:txEl>
+                                              <p:pRg st="7" end="7"/>
+                                            </p:txEl>
+                                          </p:spTgt>
+                                        </p:tgtEl>
+                                        <p:attrNameLst>
+                                          <p:attrName>style.visibility</p:attrName>
+                                        </p:attrNameLst>
+                                      </p:cBhvr>
+                                      <p:to>
+                                        <p:strVal val="visible"/>
+                                      </p:to>
+                                    </p:set>
+                                    <p:animEffect transition="in" filter="fade">
+                                      <p:cBhvr>
+                                        <p:cTn id="40" dur="500"/>
+                                        <p:tgtEl>
+                                          <p:spTgt spid="3">
+                                            <p:txEl>
+                                              <p:pRg st="7" end="7"/>
+                                            </p:txEl>
+                                          </p:spTgt>
+                                        </p:tgtEl>
+                                      </p:cBhvr>
+                                    </p:animEffect>
+                                  </p:childTnLst>
+                                </p:cTn>
+                              </p:par>
+                              <p:par>
+                                <p:cTn id="41" presetID="10" presetClass="entr" presetSubtype="0" fill="hold" nodeType="withEffect">
+                                  <p:stCondLst>
+                                    <p:cond delay="0"/>
+                                  </p:stCondLst>
+                                  <p:childTnLst>
+                                    <p:set>
+                                      <p:cBhvr>
+                                        <p:cTn id="42" dur="1" fill="hold">
+                                          <p:stCondLst>
+                                            <p:cond delay="0"/>
+                                          </p:stCondLst>
+                                        </p:cTn>
+                                        <p:tgtEl>
+                                          <p:spTgt spid="3">
+                                            <p:txEl>
+                                              <p:pRg st="8" end="8"/>
+                                            </p:txEl>
+                                          </p:spTgt>
+                                        </p:tgtEl>
+                                        <p:attrNameLst>
+                                          <p:attrName>style.visibility</p:attrName>
+                                        </p:attrNameLst>
+                                      </p:cBhvr>
+                                      <p:to>
+                                        <p:strVal val="visible"/>
+                                      </p:to>
+                                    </p:set>
+                                    <p:animEffect transition="in" filter="fade">
+                                      <p:cBhvr>
+                                        <p:cTn id="43" dur="500"/>
+                                        <p:tgtEl>
+                                          <p:spTgt spid="3">
+                                            <p:txEl>
+                                              <p:pRg st="8" end="8"/>
+                                            </p:txEl>
+                                          </p:spTgt>
+                                        </p:tgtEl>
+                                      </p:cBhvr>
+                                    </p:animEffect>
+                                  </p:childTnLst>
+                                </p:cTn>
+                              </p:par>
+                            </p:childTnLst>
+                          </p:cTn>
+                        </p:par>
+                      </p:childTnLst>
+                    </p:cTn>
+                  </p:par>
+                  <p:par>
+                    <p:cTn id="44" fill="hold">
+                      <p:stCondLst>
+                        <p:cond delay="indefinite"/>
+                      </p:stCondLst>
+                      <p:childTnLst>
+                        <p:par>
+                          <p:cTn id="45" fill="hold">
+                            <p:stCondLst>
+                              <p:cond delay="0"/>
+                            </p:stCondLst>
+                            <p:childTnLst>
+                              <p:par>
+                                <p:cTn id="46" presetID="10" presetClass="entr" presetSubtype="0" fill="hold" nodeType="clickEffect">
+                                  <p:stCondLst>
+                                    <p:cond delay="0"/>
+                                  </p:stCondLst>
+                                  <p:childTnLst>
+                                    <p:set>
+                                      <p:cBhvr>
+                                        <p:cTn id="47" dur="1" fill="hold">
+                                          <p:stCondLst>
+                                            <p:cond delay="0"/>
+                                          </p:stCondLst>
+                                        </p:cTn>
+                                        <p:tgtEl>
+                                          <p:spTgt spid="3">
+                                            <p:txEl>
+                                              <p:pRg st="9" end="9"/>
+                                            </p:txEl>
+                                          </p:spTgt>
+                                        </p:tgtEl>
+                                        <p:attrNameLst>
+                                          <p:attrName>style.visibility</p:attrName>
+                                        </p:attrNameLst>
+                                      </p:cBhvr>
+                                      <p:to>
+                                        <p:strVal val="visible"/>
+                                      </p:to>
+                                    </p:set>
+                                    <p:animEffect transition="in" filter="fade">
+                                      <p:cBhvr>
+                                        <p:cTn id="48" dur="500"/>
+                                        <p:tgtEl>
+                                          <p:spTgt spid="3">
+                                            <p:txEl>
+                                              <p:pRg st="9" end="9"/>
+                                            </p:txEl>
+                                          </p:spTgt>
+                                        </p:tgtEl>
+                                      </p:cBhvr>
+                                    </p:animEffect>
+                                  </p:childTnLst>
+                                </p:cTn>
+                              </p:par>
+                            </p:childTnLst>
+                          </p:cTn>
+                        </p:par>
+                      </p:childTnLst>
+                    </p:cTn>
+                  </p:par>
+                  <p:par>
+                    <p:cTn id="49" fill="hold">
+                      <p:stCondLst>
+                        <p:cond delay="indefinite"/>
+                      </p:stCondLst>
+                      <p:childTnLst>
+                        <p:par>
+                          <p:cTn id="50" fill="hold">
+                            <p:stCondLst>
+                              <p:cond delay="0"/>
+                            </p:stCondLst>
+                            <p:childTnLst>
+                              <p:par>
+                                <p:cTn id="51" presetID="10" presetClass="entr" presetSubtype="0" fill="hold" nodeType="clickEffect">
+                                  <p:stCondLst>
+                                    <p:cond delay="0"/>
+                                  </p:stCondLst>
+                                  <p:childTnLst>
+                                    <p:set>
+                                      <p:cBhvr>
+                                        <p:cTn id="52" dur="1" fill="hold">
+                                          <p:stCondLst>
+                                            <p:cond delay="0"/>
+                                          </p:stCondLst>
+                                        </p:cTn>
+                                        <p:tgtEl>
+                                          <p:spTgt spid="3">
+                                            <p:txEl>
+                                              <p:pRg st="10" end="10"/>
+                                            </p:txEl>
+                                          </p:spTgt>
+                                        </p:tgtEl>
+                                        <p:attrNameLst>
+                                          <p:attrName>style.visibility</p:attrName>
+                                        </p:attrNameLst>
+                                      </p:cBhvr>
+                                      <p:to>
+                                        <p:strVal val="visible"/>
+                                      </p:to>
+                                    </p:set>
+                                    <p:animEffect transition="in" filter="fade">
+                                      <p:cBhvr>
+                                        <p:cTn id="53" dur="500"/>
+                                        <p:tgtEl>
+                                          <p:spTgt spid="3">
+                                            <p:txEl>
+                                              <p:pRg st="10" end="10"/>
+                                            </p:txEl>
+                                          </p:spTgt>
+                                        </p:tgtEl>
+                                      </p:cBhvr>
+                                    </p:animEffect>
+                                  </p:childTnLst>
+                                </p:cTn>
+                              </p:par>
+                            </p:childTnLst>
+                          </p:cTn>
+                        </p:par>
+                      </p:childTnLst>
+                    </p:cTn>
+                  </p:par>
+                  <p:par>
+                    <p:cTn id="54" fill="hold">
+                      <p:stCondLst>
+                        <p:cond delay="indefinite"/>
+                      </p:stCondLst>
+                      <p:childTnLst>
+                        <p:par>
+                          <p:cTn id="55" fill="hold">
+                            <p:stCondLst>
+                              <p:cond delay="0"/>
+                            </p:stCondLst>
+                            <p:childTnLst>
+                              <p:par>
+                                <p:cTn id="56" presetID="10" presetClass="entr" presetSubtype="0" fill="hold" nodeType="clickEffect">
+                                  <p:stCondLst>
+                                    <p:cond delay="0"/>
+                                  </p:stCondLst>
+                                  <p:childTnLst>
+                                    <p:set>
+                                      <p:cBhvr>
+                                        <p:cTn id="57" dur="1" fill="hold">
+                                          <p:stCondLst>
+                                            <p:cond delay="0"/>
+                                          </p:stCondLst>
+                                        </p:cTn>
+                                        <p:tgtEl>
+                                          <p:spTgt spid="3">
+                                            <p:txEl>
+                                              <p:pRg st="11" end="11"/>
+                                            </p:txEl>
+                                          </p:spTgt>
+                                        </p:tgtEl>
+                                        <p:attrNameLst>
+                                          <p:attrName>style.visibility</p:attrName>
+                                        </p:attrNameLst>
+                                      </p:cBhvr>
+                                      <p:to>
+                                        <p:strVal val="visible"/>
+                                      </p:to>
+                                    </p:set>
+                                    <p:animEffect transition="in" filter="fade">
+                                      <p:cBhvr>
+                                        <p:cTn id="58" dur="500"/>
+                                        <p:tgtEl>
+                                          <p:spTgt spid="3">
+                                            <p:txEl>
+                                              <p:pRg st="11" end="11"/>
+                                            </p:txEl>
+                                          </p:spTgt>
+                                        </p:tgtEl>
+                                      </p:cBhvr>
+                                    </p:animEffect>
+                                  </p:childTnLst>
+                                </p:cTn>
+                              </p:par>
+                              <p:par>
+                                <p:cTn id="59" presetID="10" presetClass="entr" presetSubtype="0" fill="hold" nodeType="withEffect">
+                                  <p:stCondLst>
+                                    <p:cond delay="0"/>
+                                  </p:stCondLst>
+                                  <p:childTnLst>
+                                    <p:set>
+                                      <p:cBhvr>
+                                        <p:cTn id="60" dur="1" fill="hold">
+                                          <p:stCondLst>
+                                            <p:cond delay="0"/>
+                                          </p:stCondLst>
+                                        </p:cTn>
+                                        <p:tgtEl>
+                                          <p:spTgt spid="3">
+                                            <p:txEl>
+                                              <p:pRg st="12" end="12"/>
+                                            </p:txEl>
+                                          </p:spTgt>
+                                        </p:tgtEl>
+                                        <p:attrNameLst>
+                                          <p:attrName>style.visibility</p:attrName>
+                                        </p:attrNameLst>
+                                      </p:cBhvr>
+                                      <p:to>
+                                        <p:strVal val="visible"/>
+                                      </p:to>
+                                    </p:set>
+                                    <p:animEffect transition="in" filter="fade">
+                                      <p:cBhvr>
+                                        <p:cTn id="61" dur="500"/>
+                                        <p:tgtEl>
+                                          <p:spTgt spid="3">
+                                            <p:txEl>
+                                              <p:pRg st="12" end="12"/>
+                                            </p:txEl>
+                                          </p:spTgt>
+                                        </p:tgtEl>
+                                      </p:cBhvr>
+                                    </p:animEffect>
+                                  </p:childTnLst>
+                                </p:cTn>
+                              </p:par>
+                            </p:childTnLst>
+                          </p:cTn>
+                        </p:par>
+                      </p:childTnLst>
+                    </p:cTn>
+                  </p:par>
+                  <p:par>
+                    <p:cTn id="62" fill="hold">
+                      <p:stCondLst>
+                        <p:cond delay="indefinite"/>
+                      </p:stCondLst>
+                      <p:childTnLst>
+                        <p:par>
+                          <p:cTn id="63" fill="hold">
+                            <p:stCondLst>
+                              <p:cond delay="0"/>
+                            </p:stCondLst>
+                            <p:childTnLst>
+                              <p:par>
+                                <p:cTn id="64" presetID="10" presetClass="entr" presetSubtype="0" fill="hold" nodeType="clickEffect">
+                                  <p:stCondLst>
+                                    <p:cond delay="0"/>
+                                  </p:stCondLst>
+                                  <p:childTnLst>
+                                    <p:set>
+                                      <p:cBhvr>
+                                        <p:cTn id="65" dur="1" fill="hold">
+                                          <p:stCondLst>
+                                            <p:cond delay="0"/>
+                                          </p:stCondLst>
+                                        </p:cTn>
+                                        <p:tgtEl>
+                                          <p:spTgt spid="3">
+                                            <p:txEl>
+                                              <p:pRg st="13" end="13"/>
+                                            </p:txEl>
+                                          </p:spTgt>
+                                        </p:tgtEl>
+                                        <p:attrNameLst>
+                                          <p:attrName>style.visibility</p:attrName>
+                                        </p:attrNameLst>
+                                      </p:cBhvr>
+                                      <p:to>
+                                        <p:strVal val="visible"/>
+                                      </p:to>
+                                    </p:set>
+                                    <p:animEffect transition="in" filter="fade">
+                                      <p:cBhvr>
+                                        <p:cTn id="66" dur="500"/>
+                                        <p:tgtEl>
+                                          <p:spTgt spid="3">
+                                            <p:txEl>
+                                              <p:pRg st="13" end="13"/>
+                                            </p:txEl>
+                                          </p:spTgt>
+                                        </p:tgtEl>
+                                      </p:cBhvr>
+                                    </p:animEffect>
+                                  </p:childTnLst>
+                                </p:cTn>
+                              </p:par>
+                              <p:par>
+                                <p:cTn id="67" presetID="10" presetClass="entr" presetSubtype="0" fill="hold" nodeType="withEffect">
+                                  <p:stCondLst>
+                                    <p:cond delay="0"/>
+                                  </p:stCondLst>
+                                  <p:childTnLst>
+                                    <p:set>
+                                      <p:cBhvr>
+                                        <p:cTn id="68" dur="1" fill="hold">
+                                          <p:stCondLst>
+                                            <p:cond delay="0"/>
+                                          </p:stCondLst>
+                                        </p:cTn>
+                                        <p:tgtEl>
+                                          <p:spTgt spid="3">
+                                            <p:txEl>
+                                              <p:pRg st="14" end="14"/>
+                                            </p:txEl>
+                                          </p:spTgt>
+                                        </p:tgtEl>
+                                        <p:attrNameLst>
+                                          <p:attrName>style.visibility</p:attrName>
+                                        </p:attrNameLst>
+                                      </p:cBhvr>
+                                      <p:to>
+                                        <p:strVal val="visible"/>
+                                      </p:to>
+                                    </p:set>
+                                    <p:animEffect transition="in" filter="fade">
+                                      <p:cBhvr>
+                                        <p:cTn id="69" dur="500"/>
+                                        <p:tgtEl>
+                                          <p:spTgt spid="3">
+                                            <p:txEl>
+                                              <p:pRg st="14" end="14"/>
+                                            </p:txEl>
+                                          </p:spTgt>
+                                        </p:tgtEl>
+                                      </p:cBhvr>
+                                    </p:animEffect>
+                                  </p:childTnLst>
+                                </p:cTn>
+                              </p:par>
+                            </p:childTnLst>
+                          </p:cTn>
+                        </p:par>
+                      </p:childTnLst>
+                    </p:cTn>
+                  </p:par>
+                  <p:par>
+                    <p:cTn id="70" fill="hold">
+                      <p:stCondLst>
+                        <p:cond delay="indefinite"/>
+                      </p:stCondLst>
+                      <p:childTnLst>
+                        <p:par>
+                          <p:cTn id="71" fill="hold">
+                            <p:stCondLst>
+                              <p:cond delay="0"/>
+                            </p:stCondLst>
+                            <p:childTnLst>
+                              <p:par>
+                                <p:cTn id="72" presetID="10" presetClass="entr" presetSubtype="0" fill="hold" nodeType="clickEffect">
+                                  <p:stCondLst>
+                                    <p:cond delay="0"/>
+                                  </p:stCondLst>
+                                  <p:childTnLst>
+                                    <p:set>
+                                      <p:cBhvr>
+                                        <p:cTn id="73" dur="1" fill="hold">
+                                          <p:stCondLst>
+                                            <p:cond delay="0"/>
+                                          </p:stCondLst>
+                                        </p:cTn>
+                                        <p:tgtEl>
+                                          <p:spTgt spid="3">
+                                            <p:txEl>
+                                              <p:pRg st="15" end="15"/>
+                                            </p:txEl>
+                                          </p:spTgt>
+                                        </p:tgtEl>
+                                        <p:attrNameLst>
+                                          <p:attrName>style.visibility</p:attrName>
+                                        </p:attrNameLst>
+                                      </p:cBhvr>
+                                      <p:to>
+                                        <p:strVal val="visible"/>
+                                      </p:to>
+                                    </p:set>
+                                    <p:animEffect transition="in" filter="fade">
+                                      <p:cBhvr>
+                                        <p:cTn id="74" dur="500"/>
+                                        <p:tgtEl>
+                                          <p:spTgt spid="3">
+                                            <p:txEl>
+                                              <p:pRg st="15" end="15"/>
+                                            </p:txEl>
+                                          </p:spTgt>
+                                        </p:tgtEl>
+                                      </p:cBhvr>
+                                    </p:animEffect>
+                                  </p:childTnLst>
+                                </p:cTn>
+                              </p:par>
+                            </p:childTnLst>
+                          </p:cTn>
+                        </p:par>
+                      </p:childTnLst>
+                    </p:cTn>
+                  </p:par>
+                  <p:par>
+                    <p:cTn id="75" fill="hold">
+                      <p:stCondLst>
+                        <p:cond delay="indefinite"/>
+                      </p:stCondLst>
+                      <p:childTnLst>
+                        <p:par>
+                          <p:cTn id="76" fill="hold">
+                            <p:stCondLst>
+                              <p:cond delay="0"/>
+                            </p:stCondLst>
+                            <p:childTnLst>
+                              <p:par>
+                                <p:cTn id="77" presetID="10" presetClass="entr" presetSubtype="0" fill="hold" nodeType="clickEffect">
+                                  <p:stCondLst>
+                                    <p:cond delay="0"/>
+                                  </p:stCondLst>
+                                  <p:childTnLst>
+                                    <p:set>
+                                      <p:cBhvr>
+                                        <p:cTn id="78" dur="1" fill="hold">
+                                          <p:stCondLst>
+                                            <p:cond delay="0"/>
+                                          </p:stCondLst>
+                                        </p:cTn>
+                                        <p:tgtEl>
+                                          <p:spTgt spid="3">
+                                            <p:txEl>
+                                              <p:pRg st="16" end="16"/>
+                                            </p:txEl>
+                                          </p:spTgt>
+                                        </p:tgtEl>
+                                        <p:attrNameLst>
+                                          <p:attrName>style.visibility</p:attrName>
+                                        </p:attrNameLst>
+                                      </p:cBhvr>
+                                      <p:to>
+                                        <p:strVal val="visible"/>
+                                      </p:to>
+                                    </p:set>
+                                    <p:animEffect transition="in" filter="fade">
+                                      <p:cBhvr>
+                                        <p:cTn id="79" dur="500"/>
+                                        <p:tgtEl>
+                                          <p:spTgt spid="3">
+                                            <p:txEl>
+                                              <p:pRg st="16" end="16"/>
+                                            </p:txEl>
+                                          </p:spTgt>
+                                        </p:tgtEl>
+                                      </p:cBhvr>
+                                    </p:animEffect>
+                                  </p:childTnLst>
+                                </p:cTn>
+                              </p:par>
+                            </p:childTnLst>
+                          </p:cTn>
+                        </p:par>
+                      </p:childTnLst>
+                    </p:cTn>
+                  </p:par>
+                </p:childTnLst>
+              </p:cTn>
+              <p:prevCondLst>
+                <p:cond evt="onPrev" delay="0">
+                  <p:tgtEl>
+                    <p:sldTgt/>
+                  </p:tgtEl>
+                </p:cond>
+              </p:prevCondLst>
+              <p:nextCondLst>
+                <p:cond evt="onNext" delay="0">
+                  <p:tgtEl>
+                    <p:sldTgt/>
+                  </p:tgtEl>
+                </p:cond>
+              </p:nextCondLst>
+            </p:seq>
+          </p:childTnLst>
+        </p:cTn>
+      </p:par>
+    </p:tnLst>
+  </p:timing>
+</p:sld>
+</file>
+
+<file path=ppt/slides/slide6.xml><?xml version="1.0" encoding="utf-8"?>
+<p:sld xmlns:a="http://schemas.openxmlformats.org/drawingml/2006/main" xmlns:r="http://schemas.openxmlformats.org/officeDocument/2006/relationships" xmlns:p="http://schemas.openxmlformats.org/presentationml/2006/main">
+  <p:cSld>
+    <p:spTree>
+      <p:nvGrpSpPr>
+        <p:cNvPr id="1" name=""/>
+        <p:cNvGrpSpPr/>
+        <p:nvPr/>
+      </p:nvGrpSpPr>
+      <p:grpSpPr>
+        <a:xfrm>
+          <a:off x="0" y="0"/>
+          <a:ext cx="0" cy="0"/>
+          <a:chOff x="0" y="0"/>
+          <a:chExt cx="0" cy="0"/>
+        </a:xfrm>
+      </p:grpSpPr>
+      <p:sp>
+        <p:nvSpPr>
+          <p:cNvPr id="2" name="Title 1"/>
+          <p:cNvSpPr>
+            <a:spLocks noGrp="1"/>
+          </p:cNvSpPr>
+          <p:nvPr>
+            <p:ph type="title"/>
+          </p:nvPr>
+        </p:nvSpPr>
+        <p:spPr/>
+        <p:txBody>
+          <a:bodyPr/>
+          <a:lstStyle/>
+          <a:p>
+            <a:endParaRPr lang="en-US"/>
+          </a:p>
+        </p:txBody>
+      </p:sp>
+      <p:sp>
+        <p:nvSpPr>
+          <p:cNvPr id="3" name="Content Placeholder 2"/>
+          <p:cNvSpPr>
+            <a:spLocks noGrp="1"/>
+          </p:cNvSpPr>
+          <p:nvPr>
+            <p:ph idx="1"/>
+          </p:nvPr>
+        </p:nvSpPr>
+        <p:spPr/>
+        <p:txBody>
+          <a:bodyPr/>
+          <a:lstStyle/>
+          <a:p>
+            <a:endParaRPr lang="en-US"/>
+          </a:p>
+        </p:txBody>
+      </p:sp>
+    </p:spTree>
+    <p:extLst>
+      <p:ext uri="{BB962C8B-B14F-4D97-AF65-F5344CB8AC3E}">
+        <p14:creationId xmlns:p14="http://schemas.microsoft.com/office/powerpoint/2010/main" val="593935912"/>
       </p:ext>
     </p:extLst>
   </p:cSld>

--- a/Document/tungdn.pptx
+++ b/Document/tungdn.pptx
@@ -9,8 +9,6 @@
     <p:sldId id="258" r:id="rId3"/>
     <p:sldId id="263" r:id="rId4"/>
     <p:sldId id="266" r:id="rId5"/>
-    <p:sldId id="265" r:id="rId6"/>
-    <p:sldId id="267" r:id="rId7"/>
   </p:sldIdLst>
   <p:sldSz cx="9144000" cy="6858000" type="screen4x3"/>
   <p:notesSz cx="6858000" cy="9144000"/>
@@ -10617,14 +10615,637 @@
       </p:sp>
       <p:sp>
         <p:nvSpPr>
-          <p:cNvPr id="8" name="Rectangle 7"/>
+          <p:cNvPr id="9" name="Rectangle 8"/>
           <p:cNvSpPr/>
           <p:nvPr/>
         </p:nvSpPr>
         <p:spPr>
           <a:xfrm>
-            <a:off x="1750253" y="2286000"/>
-            <a:ext cx="7292766" cy="923330"/>
+            <a:off x="1828800" y="2297668"/>
+            <a:ext cx="2895600" cy="1066800"/>
+          </a:xfrm>
+          <a:prstGeom prst="rect">
+            <a:avLst/>
+          </a:prstGeom>
+          <a:solidFill>
+            <a:schemeClr val="accent6">
+              <a:lumMod val="60000"/>
+              <a:lumOff val="40000"/>
+            </a:schemeClr>
+          </a:solidFill>
+        </p:spPr>
+        <p:style>
+          <a:lnRef idx="2">
+            <a:schemeClr val="accent1">
+              <a:shade val="50000"/>
+            </a:schemeClr>
+          </a:lnRef>
+          <a:fillRef idx="1">
+            <a:schemeClr val="accent1"/>
+          </a:fillRef>
+          <a:effectRef idx="0">
+            <a:schemeClr val="accent1"/>
+          </a:effectRef>
+          <a:fontRef idx="minor">
+            <a:schemeClr val="lt1"/>
+          </a:fontRef>
+        </p:style>
+        <p:txBody>
+          <a:bodyPr rtlCol="0" anchor="ctr"/>
+          <a:lstStyle/>
+          <a:p>
+            <a:pPr algn="ctr"/>
+            <a:r>
+              <a:rPr lang="en-US" sz="2200" b="1" dirty="0" err="1" smtClean="0"/>
+              <a:t>buyingRatio</a:t>
+            </a:r>
+            <a:r>
+              <a:rPr lang="en-US" sz="2200" b="1" dirty="0"/>
+              <a:t> </a:t>
+            </a:r>
+            <a:r>
+              <a:rPr lang="en-US" sz="2200" b="1" dirty="0" smtClean="0"/>
+              <a:t>= 0.5 point </a:t>
+            </a:r>
+          </a:p>
+          <a:p>
+            <a:pPr algn="ctr"/>
+            <a:r>
+              <a:rPr lang="en-US" sz="2200" b="1" dirty="0" smtClean="0"/>
+              <a:t>If total bought &gt;= 1</a:t>
+            </a:r>
+            <a:endParaRPr lang="en-US" sz="2200" b="1" dirty="0"/>
+          </a:p>
+        </p:txBody>
+      </p:sp>
+      <p:sp>
+        <p:nvSpPr>
+          <p:cNvPr id="10" name="Rectangle 9"/>
+          <p:cNvSpPr/>
+          <p:nvPr/>
+        </p:nvSpPr>
+        <p:spPr>
+          <a:xfrm>
+            <a:off x="5867400" y="2297668"/>
+            <a:ext cx="2895600" cy="1066800"/>
+          </a:xfrm>
+          <a:prstGeom prst="rect">
+            <a:avLst/>
+          </a:prstGeom>
+          <a:solidFill>
+            <a:schemeClr val="accent6">
+              <a:lumMod val="60000"/>
+              <a:lumOff val="40000"/>
+            </a:schemeClr>
+          </a:solidFill>
+        </p:spPr>
+        <p:style>
+          <a:lnRef idx="2">
+            <a:schemeClr val="accent1">
+              <a:shade val="50000"/>
+            </a:schemeClr>
+          </a:lnRef>
+          <a:fillRef idx="1">
+            <a:schemeClr val="accent1"/>
+          </a:fillRef>
+          <a:effectRef idx="0">
+            <a:schemeClr val="accent1"/>
+          </a:effectRef>
+          <a:fontRef idx="minor">
+            <a:schemeClr val="lt1"/>
+          </a:fontRef>
+        </p:style>
+        <p:txBody>
+          <a:bodyPr rtlCol="0" anchor="ctr"/>
+          <a:lstStyle/>
+          <a:p>
+            <a:pPr algn="ctr"/>
+            <a:r>
+              <a:rPr lang="en-US" sz="2200" b="1" dirty="0" err="1" smtClean="0"/>
+              <a:t>buyingRatio</a:t>
+            </a:r>
+            <a:r>
+              <a:rPr lang="en-US" sz="2200" b="1" dirty="0"/>
+              <a:t> </a:t>
+            </a:r>
+            <a:r>
+              <a:rPr lang="en-US" sz="2200" b="1" dirty="0" smtClean="0"/>
+              <a:t>= 0.7 point </a:t>
+            </a:r>
+          </a:p>
+          <a:p>
+            <a:pPr algn="ctr"/>
+            <a:r>
+              <a:rPr lang="en-US" sz="2200" b="1" dirty="0" smtClean="0"/>
+              <a:t>If total bought &gt;= 10</a:t>
+            </a:r>
+            <a:endParaRPr lang="en-US" sz="2200" b="1" dirty="0"/>
+          </a:p>
+        </p:txBody>
+      </p:sp>
+      <p:sp>
+        <p:nvSpPr>
+          <p:cNvPr id="11" name="Rectangle 10"/>
+          <p:cNvSpPr/>
+          <p:nvPr/>
+        </p:nvSpPr>
+        <p:spPr>
+          <a:xfrm>
+            <a:off x="5867400" y="4050268"/>
+            <a:ext cx="2895600" cy="1066800"/>
+          </a:xfrm>
+          <a:prstGeom prst="rect">
+            <a:avLst/>
+          </a:prstGeom>
+          <a:solidFill>
+            <a:schemeClr val="accent6">
+              <a:lumMod val="60000"/>
+              <a:lumOff val="40000"/>
+            </a:schemeClr>
+          </a:solidFill>
+        </p:spPr>
+        <p:style>
+          <a:lnRef idx="2">
+            <a:schemeClr val="accent1">
+              <a:shade val="50000"/>
+            </a:schemeClr>
+          </a:lnRef>
+          <a:fillRef idx="1">
+            <a:schemeClr val="accent1"/>
+          </a:fillRef>
+          <a:effectRef idx="0">
+            <a:schemeClr val="accent1"/>
+          </a:effectRef>
+          <a:fontRef idx="minor">
+            <a:schemeClr val="lt1"/>
+          </a:fontRef>
+        </p:style>
+        <p:txBody>
+          <a:bodyPr rtlCol="0" anchor="ctr"/>
+          <a:lstStyle/>
+          <a:p>
+            <a:pPr algn="ctr"/>
+            <a:r>
+              <a:rPr lang="en-US" sz="2200" b="1" dirty="0" err="1" smtClean="0"/>
+              <a:t>buyingRatio</a:t>
+            </a:r>
+            <a:r>
+              <a:rPr lang="en-US" sz="2200" b="1" dirty="0"/>
+              <a:t> </a:t>
+            </a:r>
+            <a:r>
+              <a:rPr lang="en-US" sz="2200" b="1" dirty="0" smtClean="0"/>
+              <a:t>= 0.9 point </a:t>
+            </a:r>
+          </a:p>
+          <a:p>
+            <a:pPr algn="ctr"/>
+            <a:r>
+              <a:rPr lang="en-US" sz="2200" b="1" dirty="0" smtClean="0"/>
+              <a:t>If total bought &gt;= 50</a:t>
+            </a:r>
+            <a:endParaRPr lang="en-US" sz="2200" b="1" dirty="0"/>
+          </a:p>
+        </p:txBody>
+      </p:sp>
+      <p:cxnSp>
+        <p:nvCxnSpPr>
+          <p:cNvPr id="12" name="Straight Arrow Connector 11"/>
+          <p:cNvCxnSpPr>
+            <a:stCxn id="9" idx="3"/>
+            <a:endCxn id="10" idx="1"/>
+          </p:cNvCxnSpPr>
+          <p:nvPr/>
+        </p:nvCxnSpPr>
+        <p:spPr>
+          <a:xfrm>
+            <a:off x="4724400" y="2831068"/>
+            <a:ext cx="1143000" cy="0"/>
+          </a:xfrm>
+          <a:prstGeom prst="straightConnector1">
+            <a:avLst/>
+          </a:prstGeom>
+          <a:ln>
+            <a:tailEnd type="arrow"/>
+          </a:ln>
+        </p:spPr>
+        <p:style>
+          <a:lnRef idx="1">
+            <a:schemeClr val="accent1"/>
+          </a:lnRef>
+          <a:fillRef idx="0">
+            <a:schemeClr val="accent1"/>
+          </a:fillRef>
+          <a:effectRef idx="0">
+            <a:schemeClr val="accent1"/>
+          </a:effectRef>
+          <a:fontRef idx="minor">
+            <a:schemeClr val="tx1"/>
+          </a:fontRef>
+        </p:style>
+      </p:cxnSp>
+      <p:cxnSp>
+        <p:nvCxnSpPr>
+          <p:cNvPr id="13" name="Straight Arrow Connector 12"/>
+          <p:cNvCxnSpPr>
+            <a:stCxn id="10" idx="2"/>
+            <a:endCxn id="11" idx="0"/>
+          </p:cNvCxnSpPr>
+          <p:nvPr/>
+        </p:nvCxnSpPr>
+        <p:spPr>
+          <a:xfrm>
+            <a:off x="7315200" y="3364468"/>
+            <a:ext cx="0" cy="685800"/>
+          </a:xfrm>
+          <a:prstGeom prst="straightConnector1">
+            <a:avLst/>
+          </a:prstGeom>
+          <a:ln>
+            <a:tailEnd type="arrow"/>
+          </a:ln>
+        </p:spPr>
+        <p:style>
+          <a:lnRef idx="1">
+            <a:schemeClr val="accent1"/>
+          </a:lnRef>
+          <a:fillRef idx="0">
+            <a:schemeClr val="accent1"/>
+          </a:fillRef>
+          <a:effectRef idx="0">
+            <a:schemeClr val="accent1"/>
+          </a:effectRef>
+          <a:fontRef idx="minor">
+            <a:schemeClr val="tx1"/>
+          </a:fontRef>
+        </p:style>
+      </p:cxnSp>
+      <p:sp>
+        <p:nvSpPr>
+          <p:cNvPr id="14" name="Rectangle 13"/>
+          <p:cNvSpPr/>
+          <p:nvPr/>
+        </p:nvSpPr>
+        <p:spPr>
+          <a:xfrm>
+            <a:off x="1371600" y="2297668"/>
+            <a:ext cx="2895600" cy="1066800"/>
+          </a:xfrm>
+          <a:prstGeom prst="rect">
+            <a:avLst/>
+          </a:prstGeom>
+          <a:solidFill>
+            <a:schemeClr val="accent6">
+              <a:lumMod val="60000"/>
+              <a:lumOff val="40000"/>
+            </a:schemeClr>
+          </a:solidFill>
+        </p:spPr>
+        <p:style>
+          <a:lnRef idx="2">
+            <a:schemeClr val="accent1">
+              <a:shade val="50000"/>
+            </a:schemeClr>
+          </a:lnRef>
+          <a:fillRef idx="1">
+            <a:schemeClr val="accent1"/>
+          </a:fillRef>
+          <a:effectRef idx="0">
+            <a:schemeClr val="accent1"/>
+          </a:effectRef>
+          <a:fontRef idx="minor">
+            <a:schemeClr val="lt1"/>
+          </a:fontRef>
+        </p:style>
+        <p:txBody>
+          <a:bodyPr rtlCol="0" anchor="ctr"/>
+          <a:lstStyle/>
+          <a:p>
+            <a:pPr algn="ctr"/>
+            <a:r>
+              <a:rPr lang="en-US" sz="2200" b="1" dirty="0" err="1" smtClean="0"/>
+              <a:t>sellingRatio</a:t>
+            </a:r>
+            <a:r>
+              <a:rPr lang="en-US" sz="2200" b="1" dirty="0" smtClean="0"/>
+              <a:t> = 0.5 point </a:t>
+            </a:r>
+          </a:p>
+          <a:p>
+            <a:pPr algn="ctr"/>
+            <a:r>
+              <a:rPr lang="en-US" sz="2200" b="1" dirty="0" smtClean="0"/>
+              <a:t>If total sold &gt;= 1</a:t>
+            </a:r>
+            <a:endParaRPr lang="en-US" sz="2200" b="1" dirty="0"/>
+          </a:p>
+        </p:txBody>
+      </p:sp>
+      <p:sp>
+        <p:nvSpPr>
+          <p:cNvPr id="15" name="Rectangle 14"/>
+          <p:cNvSpPr/>
+          <p:nvPr/>
+        </p:nvSpPr>
+        <p:spPr>
+          <a:xfrm>
+            <a:off x="5410200" y="2297668"/>
+            <a:ext cx="2895600" cy="1066800"/>
+          </a:xfrm>
+          <a:prstGeom prst="rect">
+            <a:avLst/>
+          </a:prstGeom>
+          <a:solidFill>
+            <a:schemeClr val="accent6">
+              <a:lumMod val="60000"/>
+              <a:lumOff val="40000"/>
+            </a:schemeClr>
+          </a:solidFill>
+        </p:spPr>
+        <p:style>
+          <a:lnRef idx="2">
+            <a:schemeClr val="accent1">
+              <a:shade val="50000"/>
+            </a:schemeClr>
+          </a:lnRef>
+          <a:fillRef idx="1">
+            <a:schemeClr val="accent1"/>
+          </a:fillRef>
+          <a:effectRef idx="0">
+            <a:schemeClr val="accent1"/>
+          </a:effectRef>
+          <a:fontRef idx="minor">
+            <a:schemeClr val="lt1"/>
+          </a:fontRef>
+        </p:style>
+        <p:txBody>
+          <a:bodyPr rtlCol="0" anchor="ctr"/>
+          <a:lstStyle/>
+          <a:p>
+            <a:pPr algn="ctr"/>
+            <a:r>
+              <a:rPr lang="en-US" sz="2200" b="1" dirty="0" err="1" smtClean="0"/>
+              <a:t>sellingRatio</a:t>
+            </a:r>
+            <a:r>
+              <a:rPr lang="en-US" sz="2200" b="1" dirty="0" smtClean="0"/>
+              <a:t> = 0.7 point </a:t>
+            </a:r>
+          </a:p>
+          <a:p>
+            <a:pPr algn="ctr"/>
+            <a:r>
+              <a:rPr lang="en-US" sz="2200" b="1" dirty="0" smtClean="0"/>
+              <a:t>If total sold &gt;= 10</a:t>
+            </a:r>
+            <a:endParaRPr lang="en-US" sz="2200" b="1" dirty="0"/>
+          </a:p>
+        </p:txBody>
+      </p:sp>
+      <p:sp>
+        <p:nvSpPr>
+          <p:cNvPr id="16" name="Rectangle 15"/>
+          <p:cNvSpPr/>
+          <p:nvPr/>
+        </p:nvSpPr>
+        <p:spPr>
+          <a:xfrm>
+            <a:off x="5410200" y="3821668"/>
+            <a:ext cx="2895600" cy="1066800"/>
+          </a:xfrm>
+          <a:prstGeom prst="rect">
+            <a:avLst/>
+          </a:prstGeom>
+          <a:solidFill>
+            <a:schemeClr val="accent6">
+              <a:lumMod val="60000"/>
+              <a:lumOff val="40000"/>
+            </a:schemeClr>
+          </a:solidFill>
+        </p:spPr>
+        <p:style>
+          <a:lnRef idx="2">
+            <a:schemeClr val="accent1">
+              <a:shade val="50000"/>
+            </a:schemeClr>
+          </a:lnRef>
+          <a:fillRef idx="1">
+            <a:schemeClr val="accent1"/>
+          </a:fillRef>
+          <a:effectRef idx="0">
+            <a:schemeClr val="accent1"/>
+          </a:effectRef>
+          <a:fontRef idx="minor">
+            <a:schemeClr val="lt1"/>
+          </a:fontRef>
+        </p:style>
+        <p:txBody>
+          <a:bodyPr rtlCol="0" anchor="ctr"/>
+          <a:lstStyle/>
+          <a:p>
+            <a:pPr algn="ctr"/>
+            <a:r>
+              <a:rPr lang="en-US" sz="2200" b="1" dirty="0" err="1" smtClean="0"/>
+              <a:t>sellingRatio</a:t>
+            </a:r>
+            <a:r>
+              <a:rPr lang="en-US" sz="2200" b="1" dirty="0" smtClean="0"/>
+              <a:t> = 0.9 point </a:t>
+            </a:r>
+          </a:p>
+          <a:p>
+            <a:pPr algn="ctr"/>
+            <a:r>
+              <a:rPr lang="en-US" sz="2200" b="1" dirty="0" smtClean="0"/>
+              <a:t>If total sold &gt;= 50</a:t>
+            </a:r>
+            <a:endParaRPr lang="en-US" sz="2200" b="1" dirty="0"/>
+          </a:p>
+        </p:txBody>
+      </p:sp>
+      <p:cxnSp>
+        <p:nvCxnSpPr>
+          <p:cNvPr id="17" name="Straight Arrow Connector 16"/>
+          <p:cNvCxnSpPr>
+            <a:stCxn id="14" idx="3"/>
+            <a:endCxn id="15" idx="1"/>
+          </p:cNvCxnSpPr>
+          <p:nvPr/>
+        </p:nvCxnSpPr>
+        <p:spPr>
+          <a:xfrm>
+            <a:off x="4267200" y="2831068"/>
+            <a:ext cx="1143000" cy="0"/>
+          </a:xfrm>
+          <a:prstGeom prst="straightConnector1">
+            <a:avLst/>
+          </a:prstGeom>
+          <a:ln>
+            <a:tailEnd type="arrow"/>
+          </a:ln>
+        </p:spPr>
+        <p:style>
+          <a:lnRef idx="1">
+            <a:schemeClr val="accent1"/>
+          </a:lnRef>
+          <a:fillRef idx="0">
+            <a:schemeClr val="accent1"/>
+          </a:fillRef>
+          <a:effectRef idx="0">
+            <a:schemeClr val="accent1"/>
+          </a:effectRef>
+          <a:fontRef idx="minor">
+            <a:schemeClr val="tx1"/>
+          </a:fontRef>
+        </p:style>
+      </p:cxnSp>
+      <p:cxnSp>
+        <p:nvCxnSpPr>
+          <p:cNvPr id="18" name="Straight Arrow Connector 17"/>
+          <p:cNvCxnSpPr>
+            <a:stCxn id="15" idx="2"/>
+            <a:endCxn id="16" idx="0"/>
+          </p:cNvCxnSpPr>
+          <p:nvPr/>
+        </p:nvCxnSpPr>
+        <p:spPr>
+          <a:xfrm>
+            <a:off x="6858000" y="3364468"/>
+            <a:ext cx="0" cy="457200"/>
+          </a:xfrm>
+          <a:prstGeom prst="straightConnector1">
+            <a:avLst/>
+          </a:prstGeom>
+          <a:ln>
+            <a:tailEnd type="arrow"/>
+          </a:ln>
+        </p:spPr>
+        <p:style>
+          <a:lnRef idx="1">
+            <a:schemeClr val="accent1"/>
+          </a:lnRef>
+          <a:fillRef idx="0">
+            <a:schemeClr val="accent1"/>
+          </a:fillRef>
+          <a:effectRef idx="0">
+            <a:schemeClr val="accent1"/>
+          </a:effectRef>
+          <a:fontRef idx="minor">
+            <a:schemeClr val="tx1"/>
+          </a:fontRef>
+        </p:style>
+      </p:cxnSp>
+      <p:sp>
+        <p:nvSpPr>
+          <p:cNvPr id="19" name="Rectangle 18"/>
+          <p:cNvSpPr/>
+          <p:nvPr/>
+        </p:nvSpPr>
+        <p:spPr>
+          <a:xfrm>
+            <a:off x="1371600" y="3821668"/>
+            <a:ext cx="2895600" cy="1066800"/>
+          </a:xfrm>
+          <a:prstGeom prst="rect">
+            <a:avLst/>
+          </a:prstGeom>
+          <a:solidFill>
+            <a:schemeClr val="accent6">
+              <a:lumMod val="60000"/>
+              <a:lumOff val="40000"/>
+            </a:schemeClr>
+          </a:solidFill>
+        </p:spPr>
+        <p:style>
+          <a:lnRef idx="2">
+            <a:schemeClr val="accent1">
+              <a:shade val="50000"/>
+            </a:schemeClr>
+          </a:lnRef>
+          <a:fillRef idx="1">
+            <a:schemeClr val="accent1"/>
+          </a:fillRef>
+          <a:effectRef idx="0">
+            <a:schemeClr val="accent1"/>
+          </a:effectRef>
+          <a:fontRef idx="minor">
+            <a:schemeClr val="lt1"/>
+          </a:fontRef>
+        </p:style>
+        <p:txBody>
+          <a:bodyPr rtlCol="0" anchor="ctr"/>
+          <a:lstStyle/>
+          <a:p>
+            <a:pPr algn="ctr"/>
+            <a:r>
+              <a:rPr lang="en-US" sz="2200" b="1" dirty="0" err="1" smtClean="0"/>
+              <a:t>sellingRatio</a:t>
+            </a:r>
+            <a:r>
+              <a:rPr lang="en-US" sz="2200" b="1" dirty="0" smtClean="0"/>
+              <a:t> = </a:t>
+            </a:r>
+            <a:r>
+              <a:rPr lang="en-US" sz="2200" b="1" dirty="0" err="1" smtClean="0"/>
+              <a:t>sellingRatio</a:t>
+            </a:r>
+            <a:r>
+              <a:rPr lang="en-US" sz="2200" b="1" dirty="0"/>
+              <a:t> </a:t>
+            </a:r>
+            <a:r>
+              <a:rPr lang="en-US" sz="2200" b="1" dirty="0" smtClean="0"/>
+              <a:t>* Ratio valid sold </a:t>
+            </a:r>
+          </a:p>
+        </p:txBody>
+      </p:sp>
+      <p:cxnSp>
+        <p:nvCxnSpPr>
+          <p:cNvPr id="20" name="Straight Arrow Connector 19"/>
+          <p:cNvCxnSpPr>
+            <a:stCxn id="16" idx="1"/>
+            <a:endCxn id="19" idx="3"/>
+          </p:cNvCxnSpPr>
+          <p:nvPr/>
+        </p:nvCxnSpPr>
+        <p:spPr>
+          <a:xfrm flipH="1">
+            <a:off x="4267200" y="4355068"/>
+            <a:ext cx="1143000" cy="0"/>
+          </a:xfrm>
+          <a:prstGeom prst="straightConnector1">
+            <a:avLst/>
+          </a:prstGeom>
+          <a:ln>
+            <a:tailEnd type="arrow"/>
+          </a:ln>
+        </p:spPr>
+        <p:style>
+          <a:lnRef idx="1">
+            <a:schemeClr val="accent1"/>
+          </a:lnRef>
+          <a:fillRef idx="0">
+            <a:schemeClr val="accent1"/>
+          </a:fillRef>
+          <a:effectRef idx="0">
+            <a:schemeClr val="accent1"/>
+          </a:effectRef>
+          <a:fontRef idx="minor">
+            <a:schemeClr val="tx1"/>
+          </a:fontRef>
+        </p:style>
+      </p:cxnSp>
+      <p:sp>
+        <p:nvSpPr>
+          <p:cNvPr id="21" name="TextBox 20"/>
+          <p:cNvSpPr txBox="1"/>
+          <p:nvPr/>
+        </p:nvSpPr>
+        <p:spPr>
+          <a:xfrm>
+            <a:off x="3124200" y="5955268"/>
+            <a:ext cx="4989764" cy="369332"/>
           </a:xfrm>
           <a:prstGeom prst="rect">
             <a:avLst/>
@@ -10632,83 +11253,116 @@
           <a:noFill/>
         </p:spPr>
         <p:txBody>
-          <a:bodyPr wrap="none" lIns="91440" tIns="45720" rIns="91440" bIns="45720">
+          <a:bodyPr wrap="none" rtlCol="0">
             <a:spAutoFit/>
           </a:bodyPr>
           <a:lstStyle/>
           <a:p>
+            <a:r>
+              <a:rPr lang="en-US" dirty="0" smtClean="0"/>
+              <a:t>Ratio valid sold = (total sold– total invalid)/total sell</a:t>
+            </a:r>
+            <a:endParaRPr lang="en-US" dirty="0"/>
+          </a:p>
+        </p:txBody>
+      </p:sp>
+      <p:cxnSp>
+        <p:nvCxnSpPr>
+          <p:cNvPr id="22" name="Straight Connector 21"/>
+          <p:cNvCxnSpPr/>
+          <p:nvPr/>
+        </p:nvCxnSpPr>
+        <p:spPr>
+          <a:xfrm>
+            <a:off x="3733800" y="4583668"/>
+            <a:ext cx="1104900" cy="1371600"/>
+          </a:xfrm>
+          <a:prstGeom prst="line">
+            <a:avLst/>
+          </a:prstGeom>
+        </p:spPr>
+        <p:style>
+          <a:lnRef idx="1">
+            <a:schemeClr val="accent1"/>
+          </a:lnRef>
+          <a:fillRef idx="0">
+            <a:schemeClr val="accent1"/>
+          </a:fillRef>
+          <a:effectRef idx="0">
+            <a:schemeClr val="accent1"/>
+          </a:effectRef>
+          <a:fontRef idx="minor">
+            <a:schemeClr val="tx1"/>
+          </a:fontRef>
+        </p:style>
+      </p:cxnSp>
+      <p:sp>
+        <p:nvSpPr>
+          <p:cNvPr id="23" name="Rectangle 22"/>
+          <p:cNvSpPr/>
+          <p:nvPr/>
+        </p:nvSpPr>
+        <p:spPr>
+          <a:xfrm>
+            <a:off x="3276600" y="2983468"/>
+            <a:ext cx="3810000" cy="1066800"/>
+          </a:xfrm>
+          <a:prstGeom prst="rect">
+            <a:avLst/>
+          </a:prstGeom>
+          <a:solidFill>
+            <a:schemeClr val="accent6">
+              <a:lumMod val="60000"/>
+              <a:lumOff val="40000"/>
+            </a:schemeClr>
+          </a:solidFill>
+        </p:spPr>
+        <p:style>
+          <a:lnRef idx="2">
+            <a:schemeClr val="accent1">
+              <a:shade val="50000"/>
+            </a:schemeClr>
+          </a:lnRef>
+          <a:fillRef idx="1">
+            <a:schemeClr val="accent1"/>
+          </a:fillRef>
+          <a:effectRef idx="0">
+            <a:schemeClr val="accent1"/>
+          </a:effectRef>
+          <a:fontRef idx="minor">
+            <a:schemeClr val="lt1"/>
+          </a:fontRef>
+        </p:style>
+        <p:txBody>
+          <a:bodyPr rtlCol="0" anchor="ctr"/>
+          <a:lstStyle/>
+          <a:p>
             <a:pPr algn="ctr"/>
             <a:r>
-              <a:rPr lang="en-US" sz="5400" b="1" cap="none" spc="0" dirty="0" smtClean="0">
-                <a:ln w="1905"/>
-                <a:gradFill>
-                  <a:gsLst>
-                    <a:gs pos="0">
-                      <a:schemeClr val="accent6">
-                        <a:shade val="20000"/>
-                        <a:satMod val="200000"/>
-                      </a:schemeClr>
-                    </a:gs>
-                    <a:gs pos="78000">
-                      <a:schemeClr val="accent6">
-                        <a:tint val="90000"/>
-                        <a:shade val="89000"/>
-                        <a:satMod val="220000"/>
-                      </a:schemeClr>
-                    </a:gs>
-                    <a:gs pos="100000">
-                      <a:schemeClr val="accent6">
-                        <a:tint val="12000"/>
-                        <a:satMod val="255000"/>
-                      </a:schemeClr>
-                    </a:gs>
-                  </a:gsLst>
-                  <a:lin ang="5400000"/>
-                </a:gradFill>
-                <a:effectLst>
-                  <a:innerShdw blurRad="69850" dist="43180" dir="5400000">
-                    <a:srgbClr val="000000">
-                      <a:alpha val="65000"/>
-                    </a:srgbClr>
-                  </a:innerShdw>
-                </a:effectLst>
-              </a:rPr>
-              <a:t>Pseudo code User Rating</a:t>
-            </a:r>
-            <a:endParaRPr lang="en-US" sz="5400" b="1" cap="none" spc="0" dirty="0">
-              <a:ln w="1905"/>
-              <a:gradFill>
-                <a:gsLst>
-                  <a:gs pos="0">
-                    <a:schemeClr val="accent6">
-                      <a:shade val="20000"/>
-                      <a:satMod val="200000"/>
-                    </a:schemeClr>
-                  </a:gs>
-                  <a:gs pos="78000">
-                    <a:schemeClr val="accent6">
-                      <a:tint val="90000"/>
-                      <a:shade val="89000"/>
-                      <a:satMod val="220000"/>
-                    </a:schemeClr>
-                  </a:gs>
-                  <a:gs pos="100000">
-                    <a:schemeClr val="accent6">
-                      <a:tint val="12000"/>
-                      <a:satMod val="255000"/>
-                    </a:schemeClr>
-                  </a:gs>
-                </a:gsLst>
-                <a:lin ang="5400000"/>
-              </a:gradFill>
-              <a:effectLst>
-                <a:innerShdw blurRad="69850" dist="43180" dir="5400000">
-                  <a:srgbClr val="000000">
-                    <a:alpha val="65000"/>
-                  </a:srgbClr>
-                </a:innerShdw>
-              </a:effectLst>
-            </a:endParaRPr>
+              <a:rPr lang="en-US" sz="2200" b="1" dirty="0" err="1" smtClean="0"/>
+              <a:t>userRating</a:t>
+            </a:r>
+            <a:r>
+              <a:rPr lang="en-US" sz="2200" b="1" dirty="0" smtClean="0"/>
+              <a:t> = (</a:t>
+            </a:r>
+            <a:r>
+              <a:rPr lang="en-US" sz="2200" b="1" dirty="0" err="1" smtClean="0"/>
+              <a:t>sellingRatio</a:t>
+            </a:r>
+            <a:r>
+              <a:rPr lang="en-US" sz="2200" b="1" dirty="0" smtClean="0"/>
+              <a:t> + </a:t>
+            </a:r>
+            <a:r>
+              <a:rPr lang="en-US" sz="2200" b="1" dirty="0" err="1" smtClean="0"/>
+              <a:t>buyingRation</a:t>
+            </a:r>
+            <a:r>
+              <a:rPr lang="en-US" sz="2200" b="1" dirty="0" smtClean="0"/>
+              <a:t>)/2</a:t>
+            </a:r>
+            <a:endParaRPr lang="en-US" sz="2200" b="1" dirty="0"/>
           </a:p>
         </p:txBody>
       </p:sp>
@@ -10716,262 +11370,6 @@
     <p:extLst>
       <p:ext uri="{BB962C8B-B14F-4D97-AF65-F5344CB8AC3E}">
         <p14:creationId xmlns:p14="http://schemas.microsoft.com/office/powerpoint/2010/main" val="1668325815"/>
-      </p:ext>
-    </p:extLst>
-  </p:cSld>
-  <p:clrMapOvr>
-    <a:masterClrMapping/>
-  </p:clrMapOvr>
-  <p:timing>
-    <p:tnLst>
-      <p:par>
-        <p:cTn id="1" dur="indefinite" restart="never" nodeType="tmRoot"/>
-      </p:par>
-    </p:tnLst>
-  </p:timing>
-</p:sld>
-</file>
-
-<file path=ppt/slides/slide5.xml><?xml version="1.0" encoding="utf-8"?>
-<p:sld xmlns:a="http://schemas.openxmlformats.org/drawingml/2006/main" xmlns:r="http://schemas.openxmlformats.org/officeDocument/2006/relationships" xmlns:p="http://schemas.openxmlformats.org/presentationml/2006/main">
-  <p:cSld>
-    <p:spTree>
-      <p:nvGrpSpPr>
-        <p:cNvPr id="1" name=""/>
-        <p:cNvGrpSpPr/>
-        <p:nvPr/>
-      </p:nvGrpSpPr>
-      <p:grpSpPr>
-        <a:xfrm>
-          <a:off x="0" y="0"/>
-          <a:ext cx="0" cy="0"/>
-          <a:chOff x="0" y="0"/>
-          <a:chExt cx="0" cy="0"/>
-        </a:xfrm>
-      </p:grpSpPr>
-      <p:sp>
-        <p:nvSpPr>
-          <p:cNvPr id="3" name="Content Placeholder 2"/>
-          <p:cNvSpPr>
-            <a:spLocks noGrp="1"/>
-          </p:cNvSpPr>
-          <p:nvPr>
-            <p:ph idx="1"/>
-          </p:nvPr>
-        </p:nvSpPr>
-        <p:spPr>
-          <a:xfrm>
-            <a:off x="1219200" y="457200"/>
-            <a:ext cx="8229600" cy="4525963"/>
-          </a:xfrm>
-        </p:spPr>
-        <p:txBody>
-          <a:bodyPr>
-            <a:normAutofit fontScale="25000" lnSpcReduction="20000"/>
-          </a:bodyPr>
-          <a:lstStyle/>
-          <a:p>
-            <a:pPr marL="0" indent="0">
-              <a:buNone/>
-            </a:pPr>
-            <a:r>
-              <a:rPr lang="en-US" sz="8000" dirty="0" smtClean="0"/>
-              <a:t>Count </a:t>
-            </a:r>
-            <a:r>
-              <a:rPr lang="en-US" sz="8000" dirty="0" smtClean="0"/>
-              <a:t>total bought </a:t>
-            </a:r>
-            <a:r>
-              <a:rPr lang="en-US" sz="8000" dirty="0" smtClean="0"/>
-              <a:t>ticket</a:t>
-            </a:r>
-          </a:p>
-          <a:p>
-            <a:pPr marL="0" indent="0">
-              <a:buNone/>
-            </a:pPr>
-            <a:r>
-              <a:rPr lang="en-US" sz="8000" dirty="0" smtClean="0"/>
-              <a:t>Count </a:t>
-            </a:r>
-            <a:r>
-              <a:rPr lang="en-US" sz="8000" dirty="0" smtClean="0"/>
-              <a:t>total sold </a:t>
-            </a:r>
-            <a:r>
-              <a:rPr lang="en-US" sz="8000" dirty="0" smtClean="0"/>
-              <a:t>ticket</a:t>
-            </a:r>
-          </a:p>
-          <a:p>
-            <a:pPr marL="0" indent="0">
-              <a:buNone/>
-            </a:pPr>
-            <a:r>
-              <a:rPr lang="en-US" sz="8000" dirty="0" smtClean="0"/>
-              <a:t>Count </a:t>
-            </a:r>
-            <a:r>
-              <a:rPr lang="en-US" sz="8000" dirty="0" smtClean="0"/>
-              <a:t>total invalid </a:t>
-            </a:r>
-            <a:r>
-              <a:rPr lang="en-US" sz="8000" dirty="0" smtClean="0"/>
-              <a:t>sold ticket</a:t>
-            </a:r>
-          </a:p>
-          <a:p>
-            <a:pPr marL="0" indent="0">
-              <a:buNone/>
-            </a:pPr>
-            <a:r>
-              <a:rPr lang="en-US" sz="8000" dirty="0" smtClean="0"/>
-              <a:t>if (total bought ticket &gt;= 1)</a:t>
-            </a:r>
-          </a:p>
-          <a:p>
-            <a:pPr marL="0" indent="0">
-              <a:buNone/>
-            </a:pPr>
-            <a:r>
-              <a:rPr lang="en-US" sz="8000" dirty="0" smtClean="0"/>
-              <a:t>	(buying ratio) += 0.5 point;</a:t>
-            </a:r>
-          </a:p>
-          <a:p>
-            <a:pPr marL="0" indent="0">
-              <a:buNone/>
-            </a:pPr>
-            <a:r>
-              <a:rPr lang="en-US" sz="8000" dirty="0" smtClean="0"/>
-              <a:t>	if (total bought ticket &gt;= 10)</a:t>
-            </a:r>
-          </a:p>
-          <a:p>
-            <a:pPr marL="0" indent="0">
-              <a:buNone/>
-            </a:pPr>
-            <a:r>
-              <a:rPr lang="en-US" sz="8000" dirty="0" smtClean="0"/>
-              <a:t>		(buying ratio) +=0.2 point;</a:t>
-            </a:r>
-          </a:p>
-          <a:p>
-            <a:pPr marL="0" indent="0">
-              <a:buNone/>
-            </a:pPr>
-            <a:r>
-              <a:rPr lang="en-US" sz="8000" dirty="0" smtClean="0"/>
-              <a:t>	</a:t>
-            </a:r>
-            <a:r>
-              <a:rPr lang="en-US" sz="8000" dirty="0" smtClean="0"/>
-              <a:t>if </a:t>
-            </a:r>
-            <a:r>
-              <a:rPr lang="en-US" sz="8000" dirty="0" smtClean="0"/>
-              <a:t>(total bought ticket &gt;= 50)</a:t>
-            </a:r>
-          </a:p>
-          <a:p>
-            <a:pPr marL="0" indent="0">
-              <a:buNone/>
-            </a:pPr>
-            <a:r>
-              <a:rPr lang="en-US" sz="8000" dirty="0" smtClean="0"/>
-              <a:t>		(buying ratio) +=0.2 point;</a:t>
-            </a:r>
-          </a:p>
-          <a:p>
-            <a:pPr marL="0" indent="0">
-              <a:buNone/>
-            </a:pPr>
-            <a:r>
-              <a:rPr lang="en-US" sz="8000" dirty="0" smtClean="0"/>
-              <a:t>if (total sold ticket &gt;= 1)</a:t>
-            </a:r>
-          </a:p>
-          <a:p>
-            <a:pPr marL="0" indent="0">
-              <a:buNone/>
-            </a:pPr>
-            <a:r>
-              <a:rPr lang="en-US" sz="8000" dirty="0" smtClean="0"/>
-              <a:t>	(selling ratio) += 0.5 point;		</a:t>
-            </a:r>
-          </a:p>
-          <a:p>
-            <a:pPr marL="0" indent="0">
-              <a:buNone/>
-            </a:pPr>
-            <a:r>
-              <a:rPr lang="en-US" sz="8000" dirty="0" smtClean="0"/>
-              <a:t>	if (total sold ticket &gt;= 10)</a:t>
-            </a:r>
-          </a:p>
-          <a:p>
-            <a:pPr marL="0" indent="0">
-              <a:buNone/>
-            </a:pPr>
-            <a:r>
-              <a:rPr lang="en-US" sz="8000" dirty="0" smtClean="0"/>
-              <a:t>		(selling ratio) += 0.2 point;</a:t>
-            </a:r>
-          </a:p>
-          <a:p>
-            <a:pPr marL="0" indent="0">
-              <a:buNone/>
-            </a:pPr>
-            <a:r>
-              <a:rPr lang="en-US" sz="8000" dirty="0" smtClean="0"/>
-              <a:t>	</a:t>
-            </a:r>
-            <a:r>
-              <a:rPr lang="en-US" sz="8000" dirty="0" smtClean="0"/>
-              <a:t>if </a:t>
-            </a:r>
-            <a:r>
-              <a:rPr lang="en-US" sz="8000" dirty="0" smtClean="0"/>
-              <a:t>(total bought ticket &gt;= 50)</a:t>
-            </a:r>
-          </a:p>
-          <a:p>
-            <a:pPr marL="0" indent="0">
-              <a:buNone/>
-            </a:pPr>
-            <a:r>
-              <a:rPr lang="en-US" sz="8000" dirty="0" smtClean="0"/>
-              <a:t>		(selling ratio) +=0.2 point;</a:t>
-            </a:r>
-          </a:p>
-          <a:p>
-            <a:pPr marL="0" indent="0">
-              <a:buNone/>
-            </a:pPr>
-            <a:r>
-              <a:rPr lang="en-US" sz="8000" dirty="0" smtClean="0"/>
-              <a:t>(selling ratio) *= [(total sold ticket) - (total invalid sold ticket)]/ (total sold ticket)</a:t>
-            </a:r>
-          </a:p>
-          <a:p>
-            <a:pPr marL="0" indent="0">
-              <a:buNone/>
-            </a:pPr>
-            <a:r>
-              <a:rPr lang="en-US" sz="8000" dirty="0" smtClean="0"/>
-              <a:t>User rating = [(selling ratio) + (buying ratio)]/2</a:t>
-            </a:r>
-          </a:p>
-          <a:p>
-            <a:endParaRPr lang="en-US" dirty="0"/>
-          </a:p>
-        </p:txBody>
-      </p:sp>
-    </p:spTree>
-    <p:extLst>
-      <p:ext uri="{BB962C8B-B14F-4D97-AF65-F5344CB8AC3E}">
-        <p14:creationId xmlns:p14="http://schemas.microsoft.com/office/powerpoint/2010/main" val="2196932781"/>
       </p:ext>
     </p:extLst>
   </p:cSld>
@@ -10999,7 +11397,7 @@
                             </p:stCondLst>
                             <p:childTnLst>
                               <p:par>
-                                <p:cTn id="5" presetID="10" presetClass="entr" presetSubtype="0" fill="hold" nodeType="clickEffect">
+                                <p:cTn id="5" presetID="10" presetClass="entr" presetSubtype="0" fill="hold" grpId="0" nodeType="clickEffect">
                                   <p:stCondLst>
                                     <p:cond delay="0"/>
                                   </p:stCondLst>
@@ -11012,11 +11410,7 @@
                                           </p:stCondLst>
                                         </p:cTn>
                                         <p:tgtEl>
-                                          <p:spTgt spid="3">
-                                            <p:txEl>
-                                              <p:pRg st="0" end="0"/>
-                                            </p:txEl>
-                                          </p:spTgt>
+                                          <p:spTgt spid="9"/>
                                         </p:tgtEl>
                                         <p:attrNameLst>
                                           <p:attrName>style.visibility</p:attrName>
@@ -11030,11 +11424,7 @@
                                       <p:cBhvr>
                                         <p:cTn id="7" dur="500"/>
                                         <p:tgtEl>
-                                          <p:spTgt spid="3">
-                                            <p:txEl>
-                                              <p:pRg st="0" end="0"/>
-                                            </p:txEl>
-                                          </p:spTgt>
+                                          <p:spTgt spid="9"/>
                                         </p:tgtEl>
                                       </p:cBhvr>
                                     </p:animEffect>
@@ -11073,11 +11463,7 @@
                                           </p:stCondLst>
                                         </p:cTn>
                                         <p:tgtEl>
-                                          <p:spTgt spid="3">
-                                            <p:txEl>
-                                              <p:pRg st="1" end="1"/>
-                                            </p:txEl>
-                                          </p:spTgt>
+                                          <p:spTgt spid="12"/>
                                         </p:tgtEl>
                                         <p:attrNameLst>
                                           <p:attrName>style.visibility</p:attrName>
@@ -11091,11 +11477,42 @@
                                       <p:cBhvr>
                                         <p:cTn id="12" dur="500"/>
                                         <p:tgtEl>
-                                          <p:spTgt spid="3">
-                                            <p:txEl>
-                                              <p:pRg st="1" end="1"/>
-                                            </p:txEl>
-                                          </p:spTgt>
+                                          <p:spTgt spid="12"/>
+                                        </p:tgtEl>
+                                      </p:cBhvr>
+                                    </p:animEffect>
+                                  </p:childTnLst>
+                                </p:cTn>
+                              </p:par>
+                              <p:par>
+                                <p:cTn id="13" presetID="10" presetClass="entr" presetSubtype="0" fill="hold" grpId="0" nodeType="withEffect">
+                                  <p:stCondLst>
+                                    <p:cond delay="0"/>
+                                  </p:stCondLst>
+                                  <p:childTnLst>
+                                    <p:set>
+                                      <p:cBhvr>
+                                        <p:cTn id="14" dur="1" fill="hold">
+                                          <p:stCondLst>
+                                            <p:cond delay="0"/>
+                                          </p:stCondLst>
+                                        </p:cTn>
+                                        <p:tgtEl>
+                                          <p:spTgt spid="10"/>
+                                        </p:tgtEl>
+                                        <p:attrNameLst>
+                                          <p:attrName>style.visibility</p:attrName>
+                                        </p:attrNameLst>
+                                      </p:cBhvr>
+                                      <p:to>
+                                        <p:strVal val="visible"/>
+                                      </p:to>
+                                    </p:set>
+                                    <p:animEffect transition="in" filter="fade">
+                                      <p:cBhvr>
+                                        <p:cTn id="15" dur="500"/>
+                                        <p:tgtEl>
+                                          <p:spTgt spid="10"/>
                                         </p:tgtEl>
                                       </p:cBhvr>
                                     </p:animEffect>
@@ -11109,36 +11526,32 @@
                     </p:cTn>
                   </p:par>
                   <p:par>
-                    <p:cTn id="13" fill="hold">
+                    <p:cTn id="16" fill="hold">
                       <p:stCondLst>
                         <p:cond delay="indefinite"/>
                       </p:stCondLst>
                       <p:childTnLst>
                         <p:par>
-                          <p:cTn id="14" fill="hold">
+                          <p:cTn id="17" fill="hold">
                             <p:stCondLst>
                               <p:cond delay="0"/>
                             </p:stCondLst>
                             <p:childTnLst>
                               <p:par>
-                                <p:cTn id="15" presetID="10" presetClass="entr" presetSubtype="0" fill="hold" nodeType="clickEffect">
+                                <p:cTn id="18" presetID="10" presetClass="entr" presetSubtype="0" fill="hold" nodeType="clickEffect">
                                   <p:stCondLst>
                                     <p:cond delay="0"/>
                                   </p:stCondLst>
                                   <p:childTnLst>
                                     <p:set>
                                       <p:cBhvr>
-                                        <p:cTn id="16" dur="1" fill="hold">
+                                        <p:cTn id="19" dur="1" fill="hold">
                                           <p:stCondLst>
                                             <p:cond delay="0"/>
                                           </p:stCondLst>
                                         </p:cTn>
                                         <p:tgtEl>
-                                          <p:spTgt spid="3">
-                                            <p:txEl>
-                                              <p:pRg st="2" end="2"/>
-                                            </p:txEl>
-                                          </p:spTgt>
+                                          <p:spTgt spid="13"/>
                                         </p:tgtEl>
                                         <p:attrNameLst>
                                           <p:attrName>style.visibility</p:attrName>
@@ -11150,13 +11563,44 @@
                                     </p:set>
                                     <p:animEffect transition="in" filter="fade">
                                       <p:cBhvr>
-                                        <p:cTn id="17" dur="500"/>
-                                        <p:tgtEl>
-                                          <p:spTgt spid="3">
-                                            <p:txEl>
-                                              <p:pRg st="2" end="2"/>
-                                            </p:txEl>
-                                          </p:spTgt>
+                                        <p:cTn id="20" dur="500"/>
+                                        <p:tgtEl>
+                                          <p:spTgt spid="13"/>
+                                        </p:tgtEl>
+                                      </p:cBhvr>
+                                    </p:animEffect>
+                                  </p:childTnLst>
+                                </p:cTn>
+                              </p:par>
+                              <p:par>
+                                <p:cTn id="21" presetID="10" presetClass="entr" presetSubtype="0" fill="hold" grpId="0" nodeType="withEffect">
+                                  <p:stCondLst>
+                                    <p:cond delay="0"/>
+                                  </p:stCondLst>
+                                  <p:childTnLst>
+                                    <p:set>
+                                      <p:cBhvr>
+                                        <p:cTn id="22" dur="1" fill="hold">
+                                          <p:stCondLst>
+                                            <p:cond delay="0"/>
+                                          </p:stCondLst>
+                                        </p:cTn>
+                                        <p:tgtEl>
+                                          <p:spTgt spid="11"/>
+                                        </p:tgtEl>
+                                        <p:attrNameLst>
+                                          <p:attrName>style.visibility</p:attrName>
+                                        </p:attrNameLst>
+                                      </p:cBhvr>
+                                      <p:to>
+                                        <p:strVal val="visible"/>
+                                      </p:to>
+                                    </p:set>
+                                    <p:animEffect transition="in" filter="fade">
+                                      <p:cBhvr>
+                                        <p:cTn id="23" dur="500"/>
+                                        <p:tgtEl>
+                                          <p:spTgt spid="11"/>
                                         </p:tgtEl>
                                       </p:cBhvr>
                                     </p:animEffect>
@@ -11170,36 +11614,418 @@
                     </p:cTn>
                   </p:par>
                   <p:par>
-                    <p:cTn id="18" fill="hold">
+                    <p:cTn id="24" fill="hold">
                       <p:stCondLst>
                         <p:cond delay="indefinite"/>
                       </p:stCondLst>
                       <p:childTnLst>
                         <p:par>
-                          <p:cTn id="19" fill="hold">
+                          <p:cTn id="25" fill="hold">
                             <p:stCondLst>
                               <p:cond delay="0"/>
                             </p:stCondLst>
                             <p:childTnLst>
                               <p:par>
-                                <p:cTn id="20" presetID="10" presetClass="entr" presetSubtype="0" fill="hold" nodeType="clickEffect">
+                                <p:cTn id="26" presetID="10" presetClass="exit" presetSubtype="0" fill="hold" grpId="1" nodeType="clickEffect">
+                                  <p:stCondLst>
+                                    <p:cond delay="0"/>
+                                  </p:stCondLst>
+                                  <p:childTnLst>
+                                    <p:animEffect transition="out" filter="fade">
+                                      <p:cBhvr>
+                                        <p:cTn id="27" dur="500"/>
+                                        <p:tgtEl>
+                                          <p:spTgt spid="9"/>
+                                        </p:tgtEl>
+                                      </p:cBhvr>
+                                    </p:animEffect>
+                                    <p:set>
+                                      <p:cBhvr>
+                                        <p:cTn id="28" dur="1" fill="hold">
+                                          <p:stCondLst>
+                                            <p:cond delay="499"/>
+                                          </p:stCondLst>
+                                        </p:cTn>
+                                        <p:tgtEl>
+                                          <p:spTgt spid="9"/>
+                                        </p:tgtEl>
+                                        <p:attrNameLst>
+                                          <p:attrName>style.visibility</p:attrName>
+                                        </p:attrNameLst>
+                                      </p:cBhvr>
+                                      <p:to>
+                                        <p:strVal val="hidden"/>
+                                      </p:to>
+                                    </p:set>
+                                  </p:childTnLst>
+                                </p:cTn>
+                              </p:par>
+                              <p:par>
+                                <p:cTn id="29" presetID="10" presetClass="exit" presetSubtype="0" fill="hold" nodeType="withEffect">
+                                  <p:stCondLst>
+                                    <p:cond delay="0"/>
+                                  </p:stCondLst>
+                                  <p:childTnLst>
+                                    <p:animEffect transition="out" filter="fade">
+                                      <p:cBhvr>
+                                        <p:cTn id="30" dur="500"/>
+                                        <p:tgtEl>
+                                          <p:spTgt spid="12"/>
+                                        </p:tgtEl>
+                                      </p:cBhvr>
+                                    </p:animEffect>
+                                    <p:set>
+                                      <p:cBhvr>
+                                        <p:cTn id="31" dur="1" fill="hold">
+                                          <p:stCondLst>
+                                            <p:cond delay="499"/>
+                                          </p:stCondLst>
+                                        </p:cTn>
+                                        <p:tgtEl>
+                                          <p:spTgt spid="12"/>
+                                        </p:tgtEl>
+                                        <p:attrNameLst>
+                                          <p:attrName>style.visibility</p:attrName>
+                                        </p:attrNameLst>
+                                      </p:cBhvr>
+                                      <p:to>
+                                        <p:strVal val="hidden"/>
+                                      </p:to>
+                                    </p:set>
+                                  </p:childTnLst>
+                                </p:cTn>
+                              </p:par>
+                              <p:par>
+                                <p:cTn id="32" presetID="10" presetClass="exit" presetSubtype="0" fill="hold" grpId="1" nodeType="withEffect">
+                                  <p:stCondLst>
+                                    <p:cond delay="0"/>
+                                  </p:stCondLst>
+                                  <p:childTnLst>
+                                    <p:animEffect transition="out" filter="fade">
+                                      <p:cBhvr>
+                                        <p:cTn id="33" dur="500"/>
+                                        <p:tgtEl>
+                                          <p:spTgt spid="10"/>
+                                        </p:tgtEl>
+                                      </p:cBhvr>
+                                    </p:animEffect>
+                                    <p:set>
+                                      <p:cBhvr>
+                                        <p:cTn id="34" dur="1" fill="hold">
+                                          <p:stCondLst>
+                                            <p:cond delay="499"/>
+                                          </p:stCondLst>
+                                        </p:cTn>
+                                        <p:tgtEl>
+                                          <p:spTgt spid="10"/>
+                                        </p:tgtEl>
+                                        <p:attrNameLst>
+                                          <p:attrName>style.visibility</p:attrName>
+                                        </p:attrNameLst>
+                                      </p:cBhvr>
+                                      <p:to>
+                                        <p:strVal val="hidden"/>
+                                      </p:to>
+                                    </p:set>
+                                  </p:childTnLst>
+                                </p:cTn>
+                              </p:par>
+                              <p:par>
+                                <p:cTn id="35" presetID="10" presetClass="exit" presetSubtype="0" fill="hold" nodeType="withEffect">
+                                  <p:stCondLst>
+                                    <p:cond delay="0"/>
+                                  </p:stCondLst>
+                                  <p:childTnLst>
+                                    <p:animEffect transition="out" filter="fade">
+                                      <p:cBhvr>
+                                        <p:cTn id="36" dur="500"/>
+                                        <p:tgtEl>
+                                          <p:spTgt spid="13"/>
+                                        </p:tgtEl>
+                                      </p:cBhvr>
+                                    </p:animEffect>
+                                    <p:set>
+                                      <p:cBhvr>
+                                        <p:cTn id="37" dur="1" fill="hold">
+                                          <p:stCondLst>
+                                            <p:cond delay="499"/>
+                                          </p:stCondLst>
+                                        </p:cTn>
+                                        <p:tgtEl>
+                                          <p:spTgt spid="13"/>
+                                        </p:tgtEl>
+                                        <p:attrNameLst>
+                                          <p:attrName>style.visibility</p:attrName>
+                                        </p:attrNameLst>
+                                      </p:cBhvr>
+                                      <p:to>
+                                        <p:strVal val="hidden"/>
+                                      </p:to>
+                                    </p:set>
+                                  </p:childTnLst>
+                                </p:cTn>
+                              </p:par>
+                              <p:par>
+                                <p:cTn id="38" presetID="10" presetClass="exit" presetSubtype="0" fill="hold" grpId="1" nodeType="withEffect">
+                                  <p:stCondLst>
+                                    <p:cond delay="0"/>
+                                  </p:stCondLst>
+                                  <p:childTnLst>
+                                    <p:animEffect transition="out" filter="fade">
+                                      <p:cBhvr>
+                                        <p:cTn id="39" dur="500"/>
+                                        <p:tgtEl>
+                                          <p:spTgt spid="11"/>
+                                        </p:tgtEl>
+                                      </p:cBhvr>
+                                    </p:animEffect>
+                                    <p:set>
+                                      <p:cBhvr>
+                                        <p:cTn id="40" dur="1" fill="hold">
+                                          <p:stCondLst>
+                                            <p:cond delay="499"/>
+                                          </p:stCondLst>
+                                        </p:cTn>
+                                        <p:tgtEl>
+                                          <p:spTgt spid="11"/>
+                                        </p:tgtEl>
+                                        <p:attrNameLst>
+                                          <p:attrName>style.visibility</p:attrName>
+                                        </p:attrNameLst>
+                                      </p:cBhvr>
+                                      <p:to>
+                                        <p:strVal val="hidden"/>
+                                      </p:to>
+                                    </p:set>
+                                  </p:childTnLst>
+                                </p:cTn>
+                              </p:par>
+                            </p:childTnLst>
+                          </p:cTn>
+                        </p:par>
+                      </p:childTnLst>
+                    </p:cTn>
+                  </p:par>
+                  <p:par>
+                    <p:cTn id="41" fill="hold">
+                      <p:stCondLst>
+                        <p:cond delay="indefinite"/>
+                      </p:stCondLst>
+                      <p:childTnLst>
+                        <p:par>
+                          <p:cTn id="42" fill="hold">
+                            <p:stCondLst>
+                              <p:cond delay="0"/>
+                            </p:stCondLst>
+                            <p:childTnLst>
+                              <p:par>
+                                <p:cTn id="43" presetID="10" presetClass="exit" presetSubtype="0" fill="hold" grpId="2" nodeType="clickEffect">
+                                  <p:stCondLst>
+                                    <p:cond delay="0"/>
+                                  </p:stCondLst>
+                                  <p:childTnLst>
+                                    <p:animEffect transition="out" filter="fade">
+                                      <p:cBhvr>
+                                        <p:cTn id="44" dur="500"/>
+                                        <p:tgtEl>
+                                          <p:spTgt spid="9"/>
+                                        </p:tgtEl>
+                                      </p:cBhvr>
+                                    </p:animEffect>
+                                    <p:set>
+                                      <p:cBhvr>
+                                        <p:cTn id="45" dur="1" fill="hold">
+                                          <p:stCondLst>
+                                            <p:cond delay="499"/>
+                                          </p:stCondLst>
+                                        </p:cTn>
+                                        <p:tgtEl>
+                                          <p:spTgt spid="9"/>
+                                        </p:tgtEl>
+                                        <p:attrNameLst>
+                                          <p:attrName>style.visibility</p:attrName>
+                                        </p:attrNameLst>
+                                      </p:cBhvr>
+                                      <p:to>
+                                        <p:strVal val="hidden"/>
+                                      </p:to>
+                                    </p:set>
+                                  </p:childTnLst>
+                                </p:cTn>
+                              </p:par>
+                              <p:par>
+                                <p:cTn id="46" presetID="10" presetClass="exit" presetSubtype="0" fill="hold" nodeType="withEffect">
+                                  <p:stCondLst>
+                                    <p:cond delay="0"/>
+                                  </p:stCondLst>
+                                  <p:childTnLst>
+                                    <p:animEffect transition="out" filter="fade">
+                                      <p:cBhvr>
+                                        <p:cTn id="47" dur="500"/>
+                                        <p:tgtEl>
+                                          <p:spTgt spid="12"/>
+                                        </p:tgtEl>
+                                      </p:cBhvr>
+                                    </p:animEffect>
+                                    <p:set>
+                                      <p:cBhvr>
+                                        <p:cTn id="48" dur="1" fill="hold">
+                                          <p:stCondLst>
+                                            <p:cond delay="499"/>
+                                          </p:stCondLst>
+                                        </p:cTn>
+                                        <p:tgtEl>
+                                          <p:spTgt spid="12"/>
+                                        </p:tgtEl>
+                                        <p:attrNameLst>
+                                          <p:attrName>style.visibility</p:attrName>
+                                        </p:attrNameLst>
+                                      </p:cBhvr>
+                                      <p:to>
+                                        <p:strVal val="hidden"/>
+                                      </p:to>
+                                    </p:set>
+                                  </p:childTnLst>
+                                </p:cTn>
+                              </p:par>
+                              <p:par>
+                                <p:cTn id="49" presetID="10" presetClass="exit" presetSubtype="0" fill="hold" grpId="2" nodeType="withEffect">
+                                  <p:stCondLst>
+                                    <p:cond delay="0"/>
+                                  </p:stCondLst>
+                                  <p:childTnLst>
+                                    <p:animEffect transition="out" filter="fade">
+                                      <p:cBhvr>
+                                        <p:cTn id="50" dur="500"/>
+                                        <p:tgtEl>
+                                          <p:spTgt spid="10"/>
+                                        </p:tgtEl>
+                                      </p:cBhvr>
+                                    </p:animEffect>
+                                    <p:set>
+                                      <p:cBhvr>
+                                        <p:cTn id="51" dur="1" fill="hold">
+                                          <p:stCondLst>
+                                            <p:cond delay="499"/>
+                                          </p:stCondLst>
+                                        </p:cTn>
+                                        <p:tgtEl>
+                                          <p:spTgt spid="10"/>
+                                        </p:tgtEl>
+                                        <p:attrNameLst>
+                                          <p:attrName>style.visibility</p:attrName>
+                                        </p:attrNameLst>
+                                      </p:cBhvr>
+                                      <p:to>
+                                        <p:strVal val="hidden"/>
+                                      </p:to>
+                                    </p:set>
+                                  </p:childTnLst>
+                                </p:cTn>
+                              </p:par>
+                              <p:par>
+                                <p:cTn id="52" presetID="10" presetClass="exit" presetSubtype="0" fill="hold" nodeType="withEffect">
+                                  <p:stCondLst>
+                                    <p:cond delay="0"/>
+                                  </p:stCondLst>
+                                  <p:childTnLst>
+                                    <p:animEffect transition="out" filter="fade">
+                                      <p:cBhvr>
+                                        <p:cTn id="53" dur="500"/>
+                                        <p:tgtEl>
+                                          <p:spTgt spid="13"/>
+                                        </p:tgtEl>
+                                      </p:cBhvr>
+                                    </p:animEffect>
+                                    <p:set>
+                                      <p:cBhvr>
+                                        <p:cTn id="54" dur="1" fill="hold">
+                                          <p:stCondLst>
+                                            <p:cond delay="499"/>
+                                          </p:stCondLst>
+                                        </p:cTn>
+                                        <p:tgtEl>
+                                          <p:spTgt spid="13"/>
+                                        </p:tgtEl>
+                                        <p:attrNameLst>
+                                          <p:attrName>style.visibility</p:attrName>
+                                        </p:attrNameLst>
+                                      </p:cBhvr>
+                                      <p:to>
+                                        <p:strVal val="hidden"/>
+                                      </p:to>
+                                    </p:set>
+                                  </p:childTnLst>
+                                </p:cTn>
+                              </p:par>
+                              <p:par>
+                                <p:cTn id="55" presetID="10" presetClass="exit" presetSubtype="0" fill="hold" grpId="2" nodeType="withEffect">
+                                  <p:stCondLst>
+                                    <p:cond delay="0"/>
+                                  </p:stCondLst>
+                                  <p:childTnLst>
+                                    <p:animEffect transition="out" filter="fade">
+                                      <p:cBhvr>
+                                        <p:cTn id="56" dur="500"/>
+                                        <p:tgtEl>
+                                          <p:spTgt spid="11"/>
+                                        </p:tgtEl>
+                                      </p:cBhvr>
+                                    </p:animEffect>
+                                    <p:set>
+                                      <p:cBhvr>
+                                        <p:cTn id="57" dur="1" fill="hold">
+                                          <p:stCondLst>
+                                            <p:cond delay="499"/>
+                                          </p:stCondLst>
+                                        </p:cTn>
+                                        <p:tgtEl>
+                                          <p:spTgt spid="11"/>
+                                        </p:tgtEl>
+                                        <p:attrNameLst>
+                                          <p:attrName>style.visibility</p:attrName>
+                                        </p:attrNameLst>
+                                      </p:cBhvr>
+                                      <p:to>
+                                        <p:strVal val="hidden"/>
+                                      </p:to>
+                                    </p:set>
+                                  </p:childTnLst>
+                                </p:cTn>
+                              </p:par>
+                            </p:childTnLst>
+                          </p:cTn>
+                        </p:par>
+                      </p:childTnLst>
+                    </p:cTn>
+                  </p:par>
+                  <p:par>
+                    <p:cTn id="58" fill="hold">
+                      <p:stCondLst>
+                        <p:cond delay="indefinite"/>
+                      </p:stCondLst>
+                      <p:childTnLst>
+                        <p:par>
+                          <p:cTn id="59" fill="hold">
+                            <p:stCondLst>
+                              <p:cond delay="0"/>
+                            </p:stCondLst>
+                            <p:childTnLst>
+                              <p:par>
+                                <p:cTn id="60" presetID="10" presetClass="entr" presetSubtype="0" fill="hold" grpId="0" nodeType="clickEffect">
                                   <p:stCondLst>
                                     <p:cond delay="0"/>
                                   </p:stCondLst>
                                   <p:childTnLst>
                                     <p:set>
                                       <p:cBhvr>
-                                        <p:cTn id="21" dur="1" fill="hold">
+                                        <p:cTn id="61" dur="1" fill="hold">
                                           <p:stCondLst>
                                             <p:cond delay="0"/>
                                           </p:stCondLst>
                                         </p:cTn>
                                         <p:tgtEl>
-                                          <p:spTgt spid="3">
-                                            <p:txEl>
-                                              <p:pRg st="3" end="3"/>
-                                            </p:txEl>
-                                          </p:spTgt>
+                                          <p:spTgt spid="14"/>
                                         </p:tgtEl>
                                         <p:attrNameLst>
                                           <p:attrName>style.visibility</p:attrName>
@@ -11211,13 +12037,9 @@
                                     </p:set>
                                     <p:animEffect transition="in" filter="fade">
                                       <p:cBhvr>
-                                        <p:cTn id="22" dur="500"/>
-                                        <p:tgtEl>
-                                          <p:spTgt spid="3">
-                                            <p:txEl>
-                                              <p:pRg st="3" end="3"/>
-                                            </p:txEl>
-                                          </p:spTgt>
+                                        <p:cTn id="62" dur="500"/>
+                                        <p:tgtEl>
+                                          <p:spTgt spid="14"/>
                                         </p:tgtEl>
                                       </p:cBhvr>
                                     </p:animEffect>
@@ -11231,36 +12053,32 @@
                     </p:cTn>
                   </p:par>
                   <p:par>
-                    <p:cTn id="23" fill="hold">
+                    <p:cTn id="63" fill="hold">
                       <p:stCondLst>
                         <p:cond delay="indefinite"/>
                       </p:stCondLst>
                       <p:childTnLst>
                         <p:par>
-                          <p:cTn id="24" fill="hold">
+                          <p:cTn id="64" fill="hold">
                             <p:stCondLst>
                               <p:cond delay="0"/>
                             </p:stCondLst>
                             <p:childTnLst>
                               <p:par>
-                                <p:cTn id="25" presetID="10" presetClass="entr" presetSubtype="0" fill="hold" nodeType="clickEffect">
+                                <p:cTn id="65" presetID="10" presetClass="entr" presetSubtype="0" fill="hold" nodeType="clickEffect">
                                   <p:stCondLst>
                                     <p:cond delay="0"/>
                                   </p:stCondLst>
                                   <p:childTnLst>
                                     <p:set>
                                       <p:cBhvr>
-                                        <p:cTn id="26" dur="1" fill="hold">
+                                        <p:cTn id="66" dur="1" fill="hold">
                                           <p:stCondLst>
                                             <p:cond delay="0"/>
                                           </p:stCondLst>
                                         </p:cTn>
                                         <p:tgtEl>
-                                          <p:spTgt spid="3">
-                                            <p:txEl>
-                                              <p:pRg st="4" end="4"/>
-                                            </p:txEl>
-                                          </p:spTgt>
+                                          <p:spTgt spid="17"/>
                                         </p:tgtEl>
                                         <p:attrNameLst>
                                           <p:attrName>style.visibility</p:attrName>
@@ -11272,13 +12090,44 @@
                                     </p:set>
                                     <p:animEffect transition="in" filter="fade">
                                       <p:cBhvr>
-                                        <p:cTn id="27" dur="500"/>
-                                        <p:tgtEl>
-                                          <p:spTgt spid="3">
-                                            <p:txEl>
-                                              <p:pRg st="4" end="4"/>
-                                            </p:txEl>
-                                          </p:spTgt>
+                                        <p:cTn id="67" dur="500"/>
+                                        <p:tgtEl>
+                                          <p:spTgt spid="17"/>
+                                        </p:tgtEl>
+                                      </p:cBhvr>
+                                    </p:animEffect>
+                                  </p:childTnLst>
+                                </p:cTn>
+                              </p:par>
+                              <p:par>
+                                <p:cTn id="68" presetID="10" presetClass="entr" presetSubtype="0" fill="hold" grpId="0" nodeType="withEffect">
+                                  <p:stCondLst>
+                                    <p:cond delay="0"/>
+                                  </p:stCondLst>
+                                  <p:childTnLst>
+                                    <p:set>
+                                      <p:cBhvr>
+                                        <p:cTn id="69" dur="1" fill="hold">
+                                          <p:stCondLst>
+                                            <p:cond delay="0"/>
+                                          </p:stCondLst>
+                                        </p:cTn>
+                                        <p:tgtEl>
+                                          <p:spTgt spid="15"/>
+                                        </p:tgtEl>
+                                        <p:attrNameLst>
+                                          <p:attrName>style.visibility</p:attrName>
+                                        </p:attrNameLst>
+                                      </p:cBhvr>
+                                      <p:to>
+                                        <p:strVal val="visible"/>
+                                      </p:to>
+                                    </p:set>
+                                    <p:animEffect transition="in" filter="fade">
+                                      <p:cBhvr>
+                                        <p:cTn id="70" dur="500"/>
+                                        <p:tgtEl>
+                                          <p:spTgt spid="15"/>
                                         </p:tgtEl>
                                       </p:cBhvr>
                                     </p:animEffect>
@@ -11292,36 +12141,32 @@
                     </p:cTn>
                   </p:par>
                   <p:par>
-                    <p:cTn id="28" fill="hold">
+                    <p:cTn id="71" fill="hold">
                       <p:stCondLst>
                         <p:cond delay="indefinite"/>
                       </p:stCondLst>
                       <p:childTnLst>
                         <p:par>
-                          <p:cTn id="29" fill="hold">
+                          <p:cTn id="72" fill="hold">
                             <p:stCondLst>
                               <p:cond delay="0"/>
                             </p:stCondLst>
                             <p:childTnLst>
                               <p:par>
-                                <p:cTn id="30" presetID="10" presetClass="entr" presetSubtype="0" fill="hold" nodeType="clickEffect">
+                                <p:cTn id="73" presetID="10" presetClass="entr" presetSubtype="0" fill="hold" nodeType="clickEffect">
                                   <p:stCondLst>
                                     <p:cond delay="0"/>
                                   </p:stCondLst>
                                   <p:childTnLst>
                                     <p:set>
                                       <p:cBhvr>
-                                        <p:cTn id="31" dur="1" fill="hold">
+                                        <p:cTn id="74" dur="1" fill="hold">
                                           <p:stCondLst>
                                             <p:cond delay="0"/>
                                           </p:stCondLst>
                                         </p:cTn>
                                         <p:tgtEl>
-                                          <p:spTgt spid="3">
-                                            <p:txEl>
-                                              <p:pRg st="5" end="5"/>
-                                            </p:txEl>
-                                          </p:spTgt>
+                                          <p:spTgt spid="18"/>
                                         </p:tgtEl>
                                         <p:attrNameLst>
                                           <p:attrName>style.visibility</p:attrName>
@@ -11333,13 +12178,9 @@
                                     </p:set>
                                     <p:animEffect transition="in" filter="fade">
                                       <p:cBhvr>
-                                        <p:cTn id="32" dur="500"/>
-                                        <p:tgtEl>
-                                          <p:spTgt spid="3">
-                                            <p:txEl>
-                                              <p:pRg st="5" end="5"/>
-                                            </p:txEl>
-                                          </p:spTgt>
+                                        <p:cTn id="75" dur="500"/>
+                                        <p:tgtEl>
+                                          <p:spTgt spid="18"/>
                                         </p:tgtEl>
                                       </p:cBhvr>
                                     </p:animEffect>
@@ -11347,24 +12188,20 @@
                                 </p:cTn>
                               </p:par>
                               <p:par>
-                                <p:cTn id="33" presetID="10" presetClass="entr" presetSubtype="0" fill="hold" nodeType="withEffect">
+                                <p:cTn id="76" presetID="10" presetClass="entr" presetSubtype="0" fill="hold" grpId="0" nodeType="withEffect">
                                   <p:stCondLst>
                                     <p:cond delay="0"/>
                                   </p:stCondLst>
                                   <p:childTnLst>
                                     <p:set>
                                       <p:cBhvr>
-                                        <p:cTn id="34" dur="1" fill="hold">
+                                        <p:cTn id="77" dur="1" fill="hold">
                                           <p:stCondLst>
                                             <p:cond delay="0"/>
                                           </p:stCondLst>
                                         </p:cTn>
                                         <p:tgtEl>
-                                          <p:spTgt spid="3">
-                                            <p:txEl>
-                                              <p:pRg st="6" end="6"/>
-                                            </p:txEl>
-                                          </p:spTgt>
+                                          <p:spTgt spid="16"/>
                                         </p:tgtEl>
                                         <p:attrNameLst>
                                           <p:attrName>style.visibility</p:attrName>
@@ -11376,13 +12213,9 @@
                                     </p:set>
                                     <p:animEffect transition="in" filter="fade">
                                       <p:cBhvr>
-                                        <p:cTn id="35" dur="500"/>
-                                        <p:tgtEl>
-                                          <p:spTgt spid="3">
-                                            <p:txEl>
-                                              <p:pRg st="6" end="6"/>
-                                            </p:txEl>
-                                          </p:spTgt>
+                                        <p:cTn id="78" dur="500"/>
+                                        <p:tgtEl>
+                                          <p:spTgt spid="16"/>
                                         </p:tgtEl>
                                       </p:cBhvr>
                                     </p:animEffect>
@@ -11396,36 +12229,32 @@
                     </p:cTn>
                   </p:par>
                   <p:par>
-                    <p:cTn id="36" fill="hold">
+                    <p:cTn id="79" fill="hold">
                       <p:stCondLst>
                         <p:cond delay="indefinite"/>
                       </p:stCondLst>
                       <p:childTnLst>
                         <p:par>
-                          <p:cTn id="37" fill="hold">
+                          <p:cTn id="80" fill="hold">
                             <p:stCondLst>
                               <p:cond delay="0"/>
                             </p:stCondLst>
                             <p:childTnLst>
                               <p:par>
-                                <p:cTn id="38" presetID="10" presetClass="entr" presetSubtype="0" fill="hold" nodeType="clickEffect">
+                                <p:cTn id="81" presetID="10" presetClass="entr" presetSubtype="0" fill="hold" nodeType="clickEffect">
                                   <p:stCondLst>
                                     <p:cond delay="0"/>
                                   </p:stCondLst>
                                   <p:childTnLst>
                                     <p:set>
                                       <p:cBhvr>
-                                        <p:cTn id="39" dur="1" fill="hold">
+                                        <p:cTn id="82" dur="1" fill="hold">
                                           <p:stCondLst>
                                             <p:cond delay="0"/>
                                           </p:stCondLst>
                                         </p:cTn>
                                         <p:tgtEl>
-                                          <p:spTgt spid="3">
-                                            <p:txEl>
-                                              <p:pRg st="7" end="7"/>
-                                            </p:txEl>
-                                          </p:spTgt>
+                                          <p:spTgt spid="20"/>
                                         </p:tgtEl>
                                         <p:attrNameLst>
                                           <p:attrName>style.visibility</p:attrName>
@@ -11437,13 +12266,9 @@
                                     </p:set>
                                     <p:animEffect transition="in" filter="fade">
                                       <p:cBhvr>
-                                        <p:cTn id="40" dur="500"/>
-                                        <p:tgtEl>
-                                          <p:spTgt spid="3">
-                                            <p:txEl>
-                                              <p:pRg st="7" end="7"/>
-                                            </p:txEl>
-                                          </p:spTgt>
+                                        <p:cTn id="83" dur="500"/>
+                                        <p:tgtEl>
+                                          <p:spTgt spid="20"/>
                                         </p:tgtEl>
                                       </p:cBhvr>
                                     </p:animEffect>
@@ -11451,24 +12276,20 @@
                                 </p:cTn>
                               </p:par>
                               <p:par>
-                                <p:cTn id="41" presetID="10" presetClass="entr" presetSubtype="0" fill="hold" nodeType="withEffect">
+                                <p:cTn id="84" presetID="10" presetClass="entr" presetSubtype="0" fill="hold" grpId="0" nodeType="withEffect">
                                   <p:stCondLst>
                                     <p:cond delay="0"/>
                                   </p:stCondLst>
                                   <p:childTnLst>
                                     <p:set>
                                       <p:cBhvr>
-                                        <p:cTn id="42" dur="1" fill="hold">
+                                        <p:cTn id="85" dur="1" fill="hold">
                                           <p:stCondLst>
                                             <p:cond delay="0"/>
                                           </p:stCondLst>
                                         </p:cTn>
                                         <p:tgtEl>
-                                          <p:spTgt spid="3">
-                                            <p:txEl>
-                                              <p:pRg st="8" end="8"/>
-                                            </p:txEl>
-                                          </p:spTgt>
+                                          <p:spTgt spid="19"/>
                                         </p:tgtEl>
                                         <p:attrNameLst>
                                           <p:attrName>style.visibility</p:attrName>
@@ -11480,13 +12301,9 @@
                                     </p:set>
                                     <p:animEffect transition="in" filter="fade">
                                       <p:cBhvr>
-                                        <p:cTn id="43" dur="500"/>
-                                        <p:tgtEl>
-                                          <p:spTgt spid="3">
-                                            <p:txEl>
-                                              <p:pRg st="8" end="8"/>
-                                            </p:txEl>
-                                          </p:spTgt>
+                                        <p:cTn id="86" dur="500"/>
+                                        <p:tgtEl>
+                                          <p:spTgt spid="19"/>
                                         </p:tgtEl>
                                       </p:cBhvr>
                                     </p:animEffect>
@@ -11500,36 +12317,32 @@
                     </p:cTn>
                   </p:par>
                   <p:par>
-                    <p:cTn id="44" fill="hold">
+                    <p:cTn id="87" fill="hold">
                       <p:stCondLst>
                         <p:cond delay="indefinite"/>
                       </p:stCondLst>
                       <p:childTnLst>
                         <p:par>
-                          <p:cTn id="45" fill="hold">
+                          <p:cTn id="88" fill="hold">
                             <p:stCondLst>
                               <p:cond delay="0"/>
                             </p:stCondLst>
                             <p:childTnLst>
                               <p:par>
-                                <p:cTn id="46" presetID="10" presetClass="entr" presetSubtype="0" fill="hold" nodeType="clickEffect">
+                                <p:cTn id="89" presetID="10" presetClass="entr" presetSubtype="0" fill="hold" nodeType="clickEffect">
                                   <p:stCondLst>
                                     <p:cond delay="0"/>
                                   </p:stCondLst>
                                   <p:childTnLst>
                                     <p:set>
                                       <p:cBhvr>
-                                        <p:cTn id="47" dur="1" fill="hold">
+                                        <p:cTn id="90" dur="1" fill="hold">
                                           <p:stCondLst>
                                             <p:cond delay="0"/>
                                           </p:stCondLst>
                                         </p:cTn>
                                         <p:tgtEl>
-                                          <p:spTgt spid="3">
-                                            <p:txEl>
-                                              <p:pRg st="9" end="9"/>
-                                            </p:txEl>
-                                          </p:spTgt>
+                                          <p:spTgt spid="22"/>
                                         </p:tgtEl>
                                         <p:attrNameLst>
                                           <p:attrName>style.visibility</p:attrName>
@@ -11541,13 +12354,44 @@
                                     </p:set>
                                     <p:animEffect transition="in" filter="fade">
                                       <p:cBhvr>
-                                        <p:cTn id="48" dur="500"/>
-                                        <p:tgtEl>
-                                          <p:spTgt spid="3">
-                                            <p:txEl>
-                                              <p:pRg st="9" end="9"/>
-                                            </p:txEl>
-                                          </p:spTgt>
+                                        <p:cTn id="91" dur="500"/>
+                                        <p:tgtEl>
+                                          <p:spTgt spid="22"/>
+                                        </p:tgtEl>
+                                      </p:cBhvr>
+                                    </p:animEffect>
+                                  </p:childTnLst>
+                                </p:cTn>
+                              </p:par>
+                              <p:par>
+                                <p:cTn id="92" presetID="10" presetClass="entr" presetSubtype="0" fill="hold" grpId="0" nodeType="withEffect">
+                                  <p:stCondLst>
+                                    <p:cond delay="0"/>
+                                  </p:stCondLst>
+                                  <p:childTnLst>
+                                    <p:set>
+                                      <p:cBhvr>
+                                        <p:cTn id="93" dur="1" fill="hold">
+                                          <p:stCondLst>
+                                            <p:cond delay="0"/>
+                                          </p:stCondLst>
+                                        </p:cTn>
+                                        <p:tgtEl>
+                                          <p:spTgt spid="21"/>
+                                        </p:tgtEl>
+                                        <p:attrNameLst>
+                                          <p:attrName>style.visibility</p:attrName>
+                                        </p:attrNameLst>
+                                      </p:cBhvr>
+                                      <p:to>
+                                        <p:strVal val="visible"/>
+                                      </p:to>
+                                    </p:set>
+                                    <p:animEffect transition="in" filter="fade">
+                                      <p:cBhvr>
+                                        <p:cTn id="94" dur="500"/>
+                                        <p:tgtEl>
+                                          <p:spTgt spid="21"/>
                                         </p:tgtEl>
                                       </p:cBhvr>
                                     </p:animEffect>
@@ -11561,57 +12405,329 @@
                     </p:cTn>
                   </p:par>
                   <p:par>
-                    <p:cTn id="49" fill="hold">
+                    <p:cTn id="95" fill="hold">
                       <p:stCondLst>
                         <p:cond delay="indefinite"/>
                       </p:stCondLst>
                       <p:childTnLst>
                         <p:par>
-                          <p:cTn id="50" fill="hold">
+                          <p:cTn id="96" fill="hold">
                             <p:stCondLst>
                               <p:cond delay="0"/>
                             </p:stCondLst>
                             <p:childTnLst>
                               <p:par>
-                                <p:cTn id="51" presetID="10" presetClass="entr" presetSubtype="0" fill="hold" nodeType="clickEffect">
+                                <p:cTn id="97" presetID="10" presetClass="exit" presetSubtype="0" fill="hold" grpId="1" nodeType="clickEffect">
                                   <p:stCondLst>
                                     <p:cond delay="0"/>
                                   </p:stCondLst>
                                   <p:childTnLst>
+                                    <p:animEffect transition="out" filter="fade">
+                                      <p:cBhvr>
+                                        <p:cTn id="98" dur="500"/>
+                                        <p:tgtEl>
+                                          <p:spTgt spid="14"/>
+                                        </p:tgtEl>
+                                      </p:cBhvr>
+                                    </p:animEffect>
                                     <p:set>
                                       <p:cBhvr>
-                                        <p:cTn id="52" dur="1" fill="hold">
+                                        <p:cTn id="99" dur="1" fill="hold">
                                           <p:stCondLst>
-                                            <p:cond delay="0"/>
+                                            <p:cond delay="499"/>
                                           </p:stCondLst>
                                         </p:cTn>
                                         <p:tgtEl>
-                                          <p:spTgt spid="3">
-                                            <p:txEl>
-                                              <p:pRg st="10" end="10"/>
-                                            </p:txEl>
-                                          </p:spTgt>
+                                          <p:spTgt spid="14"/>
                                         </p:tgtEl>
                                         <p:attrNameLst>
                                           <p:attrName>style.visibility</p:attrName>
                                         </p:attrNameLst>
                                       </p:cBhvr>
                                       <p:to>
-                                        <p:strVal val="visible"/>
+                                        <p:strVal val="hidden"/>
                                       </p:to>
                                     </p:set>
-                                    <p:animEffect transition="in" filter="fade">
-                                      <p:cBhvr>
-                                        <p:cTn id="53" dur="500"/>
-                                        <p:tgtEl>
-                                          <p:spTgt spid="3">
-                                            <p:txEl>
-                                              <p:pRg st="10" end="10"/>
-                                            </p:txEl>
-                                          </p:spTgt>
+                                  </p:childTnLst>
+                                </p:cTn>
+                              </p:par>
+                              <p:par>
+                                <p:cTn id="100" presetID="10" presetClass="exit" presetSubtype="0" fill="hold" nodeType="withEffect">
+                                  <p:stCondLst>
+                                    <p:cond delay="0"/>
+                                  </p:stCondLst>
+                                  <p:childTnLst>
+                                    <p:animEffect transition="out" filter="fade">
+                                      <p:cBhvr>
+                                        <p:cTn id="101" dur="500"/>
+                                        <p:tgtEl>
+                                          <p:spTgt spid="17"/>
                                         </p:tgtEl>
                                       </p:cBhvr>
                                     </p:animEffect>
+                                    <p:set>
+                                      <p:cBhvr>
+                                        <p:cTn id="102" dur="1" fill="hold">
+                                          <p:stCondLst>
+                                            <p:cond delay="499"/>
+                                          </p:stCondLst>
+                                        </p:cTn>
+                                        <p:tgtEl>
+                                          <p:spTgt spid="17"/>
+                                        </p:tgtEl>
+                                        <p:attrNameLst>
+                                          <p:attrName>style.visibility</p:attrName>
+                                        </p:attrNameLst>
+                                      </p:cBhvr>
+                                      <p:to>
+                                        <p:strVal val="hidden"/>
+                                      </p:to>
+                                    </p:set>
+                                  </p:childTnLst>
+                                </p:cTn>
+                              </p:par>
+                              <p:par>
+                                <p:cTn id="103" presetID="10" presetClass="exit" presetSubtype="0" fill="hold" grpId="1" nodeType="withEffect">
+                                  <p:stCondLst>
+                                    <p:cond delay="0"/>
+                                  </p:stCondLst>
+                                  <p:childTnLst>
+                                    <p:animEffect transition="out" filter="fade">
+                                      <p:cBhvr>
+                                        <p:cTn id="104" dur="500"/>
+                                        <p:tgtEl>
+                                          <p:spTgt spid="15"/>
+                                        </p:tgtEl>
+                                      </p:cBhvr>
+                                    </p:animEffect>
+                                    <p:set>
+                                      <p:cBhvr>
+                                        <p:cTn id="105" dur="1" fill="hold">
+                                          <p:stCondLst>
+                                            <p:cond delay="499"/>
+                                          </p:stCondLst>
+                                        </p:cTn>
+                                        <p:tgtEl>
+                                          <p:spTgt spid="15"/>
+                                        </p:tgtEl>
+                                        <p:attrNameLst>
+                                          <p:attrName>style.visibility</p:attrName>
+                                        </p:attrNameLst>
+                                      </p:cBhvr>
+                                      <p:to>
+                                        <p:strVal val="hidden"/>
+                                      </p:to>
+                                    </p:set>
+                                  </p:childTnLst>
+                                </p:cTn>
+                              </p:par>
+                              <p:par>
+                                <p:cTn id="106" presetID="10" presetClass="exit" presetSubtype="0" fill="hold" nodeType="withEffect">
+                                  <p:stCondLst>
+                                    <p:cond delay="0"/>
+                                  </p:stCondLst>
+                                  <p:childTnLst>
+                                    <p:animEffect transition="out" filter="fade">
+                                      <p:cBhvr>
+                                        <p:cTn id="107" dur="500"/>
+                                        <p:tgtEl>
+                                          <p:spTgt spid="18"/>
+                                        </p:tgtEl>
+                                      </p:cBhvr>
+                                    </p:animEffect>
+                                    <p:set>
+                                      <p:cBhvr>
+                                        <p:cTn id="108" dur="1" fill="hold">
+                                          <p:stCondLst>
+                                            <p:cond delay="499"/>
+                                          </p:stCondLst>
+                                        </p:cTn>
+                                        <p:tgtEl>
+                                          <p:spTgt spid="18"/>
+                                        </p:tgtEl>
+                                        <p:attrNameLst>
+                                          <p:attrName>style.visibility</p:attrName>
+                                        </p:attrNameLst>
+                                      </p:cBhvr>
+                                      <p:to>
+                                        <p:strVal val="hidden"/>
+                                      </p:to>
+                                    </p:set>
+                                  </p:childTnLst>
+                                </p:cTn>
+                              </p:par>
+                              <p:par>
+                                <p:cTn id="109" presetID="10" presetClass="exit" presetSubtype="0" fill="hold" grpId="1" nodeType="withEffect">
+                                  <p:stCondLst>
+                                    <p:cond delay="0"/>
+                                  </p:stCondLst>
+                                  <p:childTnLst>
+                                    <p:animEffect transition="out" filter="fade">
+                                      <p:cBhvr>
+                                        <p:cTn id="110" dur="500"/>
+                                        <p:tgtEl>
+                                          <p:spTgt spid="16"/>
+                                        </p:tgtEl>
+                                      </p:cBhvr>
+                                    </p:animEffect>
+                                    <p:set>
+                                      <p:cBhvr>
+                                        <p:cTn id="111" dur="1" fill="hold">
+                                          <p:stCondLst>
+                                            <p:cond delay="499"/>
+                                          </p:stCondLst>
+                                        </p:cTn>
+                                        <p:tgtEl>
+                                          <p:spTgt spid="16"/>
+                                        </p:tgtEl>
+                                        <p:attrNameLst>
+                                          <p:attrName>style.visibility</p:attrName>
+                                        </p:attrNameLst>
+                                      </p:cBhvr>
+                                      <p:to>
+                                        <p:strVal val="hidden"/>
+                                      </p:to>
+                                    </p:set>
+                                  </p:childTnLst>
+                                </p:cTn>
+                              </p:par>
+                              <p:par>
+                                <p:cTn id="112" presetID="10" presetClass="exit" presetSubtype="0" fill="hold" nodeType="withEffect">
+                                  <p:stCondLst>
+                                    <p:cond delay="0"/>
+                                  </p:stCondLst>
+                                  <p:childTnLst>
+                                    <p:animEffect transition="out" filter="fade">
+                                      <p:cBhvr>
+                                        <p:cTn id="113" dur="500"/>
+                                        <p:tgtEl>
+                                          <p:spTgt spid="20"/>
+                                        </p:tgtEl>
+                                      </p:cBhvr>
+                                    </p:animEffect>
+                                    <p:set>
+                                      <p:cBhvr>
+                                        <p:cTn id="114" dur="1" fill="hold">
+                                          <p:stCondLst>
+                                            <p:cond delay="499"/>
+                                          </p:stCondLst>
+                                        </p:cTn>
+                                        <p:tgtEl>
+                                          <p:spTgt spid="20"/>
+                                        </p:tgtEl>
+                                        <p:attrNameLst>
+                                          <p:attrName>style.visibility</p:attrName>
+                                        </p:attrNameLst>
+                                      </p:cBhvr>
+                                      <p:to>
+                                        <p:strVal val="hidden"/>
+                                      </p:to>
+                                    </p:set>
+                                  </p:childTnLst>
+                                </p:cTn>
+                              </p:par>
+                              <p:par>
+                                <p:cTn id="115" presetID="10" presetClass="exit" presetSubtype="0" fill="hold" grpId="1" nodeType="withEffect">
+                                  <p:stCondLst>
+                                    <p:cond delay="0"/>
+                                  </p:stCondLst>
+                                  <p:childTnLst>
+                                    <p:animEffect transition="out" filter="fade">
+                                      <p:cBhvr>
+                                        <p:cTn id="116" dur="500"/>
+                                        <p:tgtEl>
+                                          <p:spTgt spid="19"/>
+                                        </p:tgtEl>
+                                      </p:cBhvr>
+                                    </p:animEffect>
+                                    <p:set>
+                                      <p:cBhvr>
+                                        <p:cTn id="117" dur="1" fill="hold">
+                                          <p:stCondLst>
+                                            <p:cond delay="499"/>
+                                          </p:stCondLst>
+                                        </p:cTn>
+                                        <p:tgtEl>
+                                          <p:spTgt spid="19"/>
+                                        </p:tgtEl>
+                                        <p:attrNameLst>
+                                          <p:attrName>style.visibility</p:attrName>
+                                        </p:attrNameLst>
+                                      </p:cBhvr>
+                                      <p:to>
+                                        <p:strVal val="hidden"/>
+                                      </p:to>
+                                    </p:set>
+                                  </p:childTnLst>
+                                </p:cTn>
+                              </p:par>
+                              <p:par>
+                                <p:cTn id="118" presetID="10" presetClass="exit" presetSubtype="0" fill="hold" nodeType="withEffect">
+                                  <p:stCondLst>
+                                    <p:cond delay="0"/>
+                                  </p:stCondLst>
+                                  <p:childTnLst>
+                                    <p:animEffect transition="out" filter="fade">
+                                      <p:cBhvr>
+                                        <p:cTn id="119" dur="500"/>
+                                        <p:tgtEl>
+                                          <p:spTgt spid="22"/>
+                                        </p:tgtEl>
+                                      </p:cBhvr>
+                                    </p:animEffect>
+                                    <p:set>
+                                      <p:cBhvr>
+                                        <p:cTn id="120" dur="1" fill="hold">
+                                          <p:stCondLst>
+                                            <p:cond delay="499"/>
+                                          </p:stCondLst>
+                                        </p:cTn>
+                                        <p:tgtEl>
+                                          <p:spTgt spid="22"/>
+                                        </p:tgtEl>
+                                        <p:attrNameLst>
+                                          <p:attrName>style.visibility</p:attrName>
+                                        </p:attrNameLst>
+                                      </p:cBhvr>
+                                      <p:to>
+                                        <p:strVal val="hidden"/>
+                                      </p:to>
+                                    </p:set>
+                                  </p:childTnLst>
+                                </p:cTn>
+                              </p:par>
+                              <p:par>
+                                <p:cTn id="121" presetID="10" presetClass="exit" presetSubtype="0" fill="hold" grpId="1" nodeType="withEffect">
+                                  <p:stCondLst>
+                                    <p:cond delay="0"/>
+                                  </p:stCondLst>
+                                  <p:childTnLst>
+                                    <p:animEffect transition="out" filter="fade">
+                                      <p:cBhvr>
+                                        <p:cTn id="122" dur="500"/>
+                                        <p:tgtEl>
+                                          <p:spTgt spid="21"/>
+                                        </p:tgtEl>
+                                      </p:cBhvr>
+                                    </p:animEffect>
+                                    <p:set>
+                                      <p:cBhvr>
+                                        <p:cTn id="123" dur="1" fill="hold">
+                                          <p:stCondLst>
+                                            <p:cond delay="499"/>
+                                          </p:stCondLst>
+                                        </p:cTn>
+                                        <p:tgtEl>
+                                          <p:spTgt spid="21"/>
+                                        </p:tgtEl>
+                                        <p:attrNameLst>
+                                          <p:attrName>style.visibility</p:attrName>
+                                        </p:attrNameLst>
+                                      </p:cBhvr>
+                                      <p:to>
+                                        <p:strVal val="hidden"/>
+                                      </p:to>
+                                    </p:set>
                                   </p:childTnLst>
                                 </p:cTn>
                               </p:par>
@@ -11622,36 +12738,32 @@
                     </p:cTn>
                   </p:par>
                   <p:par>
-                    <p:cTn id="54" fill="hold">
+                    <p:cTn id="124" fill="hold">
                       <p:stCondLst>
                         <p:cond delay="indefinite"/>
                       </p:stCondLst>
                       <p:childTnLst>
                         <p:par>
-                          <p:cTn id="55" fill="hold">
+                          <p:cTn id="125" fill="hold">
                             <p:stCondLst>
                               <p:cond delay="0"/>
                             </p:stCondLst>
                             <p:childTnLst>
                               <p:par>
-                                <p:cTn id="56" presetID="10" presetClass="entr" presetSubtype="0" fill="hold" nodeType="clickEffect">
+                                <p:cTn id="126" presetID="10" presetClass="entr" presetSubtype="0" fill="hold" grpId="0" nodeType="clickEffect">
                                   <p:stCondLst>
                                     <p:cond delay="0"/>
                                   </p:stCondLst>
                                   <p:childTnLst>
                                     <p:set>
                                       <p:cBhvr>
-                                        <p:cTn id="57" dur="1" fill="hold">
+                                        <p:cTn id="127" dur="1" fill="hold">
                                           <p:stCondLst>
                                             <p:cond delay="0"/>
                                           </p:stCondLst>
                                         </p:cTn>
                                         <p:tgtEl>
-                                          <p:spTgt spid="3">
-                                            <p:txEl>
-                                              <p:pRg st="11" end="11"/>
-                                            </p:txEl>
-                                          </p:spTgt>
+                                          <p:spTgt spid="23"/>
                                         </p:tgtEl>
                                         <p:attrNameLst>
                                           <p:attrName>style.visibility</p:attrName>
@@ -11663,282 +12775,9 @@
                                     </p:set>
                                     <p:animEffect transition="in" filter="fade">
                                       <p:cBhvr>
-                                        <p:cTn id="58" dur="500"/>
-                                        <p:tgtEl>
-                                          <p:spTgt spid="3">
-                                            <p:txEl>
-                                              <p:pRg st="11" end="11"/>
-                                            </p:txEl>
-                                          </p:spTgt>
-                                        </p:tgtEl>
-                                      </p:cBhvr>
-                                    </p:animEffect>
-                                  </p:childTnLst>
-                                </p:cTn>
-                              </p:par>
-                              <p:par>
-                                <p:cTn id="59" presetID="10" presetClass="entr" presetSubtype="0" fill="hold" nodeType="withEffect">
-                                  <p:stCondLst>
-                                    <p:cond delay="0"/>
-                                  </p:stCondLst>
-                                  <p:childTnLst>
-                                    <p:set>
-                                      <p:cBhvr>
-                                        <p:cTn id="60" dur="1" fill="hold">
-                                          <p:stCondLst>
-                                            <p:cond delay="0"/>
-                                          </p:stCondLst>
-                                        </p:cTn>
-                                        <p:tgtEl>
-                                          <p:spTgt spid="3">
-                                            <p:txEl>
-                                              <p:pRg st="12" end="12"/>
-                                            </p:txEl>
-                                          </p:spTgt>
-                                        </p:tgtEl>
-                                        <p:attrNameLst>
-                                          <p:attrName>style.visibility</p:attrName>
-                                        </p:attrNameLst>
-                                      </p:cBhvr>
-                                      <p:to>
-                                        <p:strVal val="visible"/>
-                                      </p:to>
-                                    </p:set>
-                                    <p:animEffect transition="in" filter="fade">
-                                      <p:cBhvr>
-                                        <p:cTn id="61" dur="500"/>
-                                        <p:tgtEl>
-                                          <p:spTgt spid="3">
-                                            <p:txEl>
-                                              <p:pRg st="12" end="12"/>
-                                            </p:txEl>
-                                          </p:spTgt>
-                                        </p:tgtEl>
-                                      </p:cBhvr>
-                                    </p:animEffect>
-                                  </p:childTnLst>
-                                </p:cTn>
-                              </p:par>
-                            </p:childTnLst>
-                          </p:cTn>
-                        </p:par>
-                      </p:childTnLst>
-                    </p:cTn>
-                  </p:par>
-                  <p:par>
-                    <p:cTn id="62" fill="hold">
-                      <p:stCondLst>
-                        <p:cond delay="indefinite"/>
-                      </p:stCondLst>
-                      <p:childTnLst>
-                        <p:par>
-                          <p:cTn id="63" fill="hold">
-                            <p:stCondLst>
-                              <p:cond delay="0"/>
-                            </p:stCondLst>
-                            <p:childTnLst>
-                              <p:par>
-                                <p:cTn id="64" presetID="10" presetClass="entr" presetSubtype="0" fill="hold" nodeType="clickEffect">
-                                  <p:stCondLst>
-                                    <p:cond delay="0"/>
-                                  </p:stCondLst>
-                                  <p:childTnLst>
-                                    <p:set>
-                                      <p:cBhvr>
-                                        <p:cTn id="65" dur="1" fill="hold">
-                                          <p:stCondLst>
-                                            <p:cond delay="0"/>
-                                          </p:stCondLst>
-                                        </p:cTn>
-                                        <p:tgtEl>
-                                          <p:spTgt spid="3">
-                                            <p:txEl>
-                                              <p:pRg st="13" end="13"/>
-                                            </p:txEl>
-                                          </p:spTgt>
-                                        </p:tgtEl>
-                                        <p:attrNameLst>
-                                          <p:attrName>style.visibility</p:attrName>
-                                        </p:attrNameLst>
-                                      </p:cBhvr>
-                                      <p:to>
-                                        <p:strVal val="visible"/>
-                                      </p:to>
-                                    </p:set>
-                                    <p:animEffect transition="in" filter="fade">
-                                      <p:cBhvr>
-                                        <p:cTn id="66" dur="500"/>
-                                        <p:tgtEl>
-                                          <p:spTgt spid="3">
-                                            <p:txEl>
-                                              <p:pRg st="13" end="13"/>
-                                            </p:txEl>
-                                          </p:spTgt>
-                                        </p:tgtEl>
-                                      </p:cBhvr>
-                                    </p:animEffect>
-                                  </p:childTnLst>
-                                </p:cTn>
-                              </p:par>
-                              <p:par>
-                                <p:cTn id="67" presetID="10" presetClass="entr" presetSubtype="0" fill="hold" nodeType="withEffect">
-                                  <p:stCondLst>
-                                    <p:cond delay="0"/>
-                                  </p:stCondLst>
-                                  <p:childTnLst>
-                                    <p:set>
-                                      <p:cBhvr>
-                                        <p:cTn id="68" dur="1" fill="hold">
-                                          <p:stCondLst>
-                                            <p:cond delay="0"/>
-                                          </p:stCondLst>
-                                        </p:cTn>
-                                        <p:tgtEl>
-                                          <p:spTgt spid="3">
-                                            <p:txEl>
-                                              <p:pRg st="14" end="14"/>
-                                            </p:txEl>
-                                          </p:spTgt>
-                                        </p:tgtEl>
-                                        <p:attrNameLst>
-                                          <p:attrName>style.visibility</p:attrName>
-                                        </p:attrNameLst>
-                                      </p:cBhvr>
-                                      <p:to>
-                                        <p:strVal val="visible"/>
-                                      </p:to>
-                                    </p:set>
-                                    <p:animEffect transition="in" filter="fade">
-                                      <p:cBhvr>
-                                        <p:cTn id="69" dur="500"/>
-                                        <p:tgtEl>
-                                          <p:spTgt spid="3">
-                                            <p:txEl>
-                                              <p:pRg st="14" end="14"/>
-                                            </p:txEl>
-                                          </p:spTgt>
-                                        </p:tgtEl>
-                                      </p:cBhvr>
-                                    </p:animEffect>
-                                  </p:childTnLst>
-                                </p:cTn>
-                              </p:par>
-                            </p:childTnLst>
-                          </p:cTn>
-                        </p:par>
-                      </p:childTnLst>
-                    </p:cTn>
-                  </p:par>
-                  <p:par>
-                    <p:cTn id="70" fill="hold">
-                      <p:stCondLst>
-                        <p:cond delay="indefinite"/>
-                      </p:stCondLst>
-                      <p:childTnLst>
-                        <p:par>
-                          <p:cTn id="71" fill="hold">
-                            <p:stCondLst>
-                              <p:cond delay="0"/>
-                            </p:stCondLst>
-                            <p:childTnLst>
-                              <p:par>
-                                <p:cTn id="72" presetID="10" presetClass="entr" presetSubtype="0" fill="hold" nodeType="clickEffect">
-                                  <p:stCondLst>
-                                    <p:cond delay="0"/>
-                                  </p:stCondLst>
-                                  <p:childTnLst>
-                                    <p:set>
-                                      <p:cBhvr>
-                                        <p:cTn id="73" dur="1" fill="hold">
-                                          <p:stCondLst>
-                                            <p:cond delay="0"/>
-                                          </p:stCondLst>
-                                        </p:cTn>
-                                        <p:tgtEl>
-                                          <p:spTgt spid="3">
-                                            <p:txEl>
-                                              <p:pRg st="15" end="15"/>
-                                            </p:txEl>
-                                          </p:spTgt>
-                                        </p:tgtEl>
-                                        <p:attrNameLst>
-                                          <p:attrName>style.visibility</p:attrName>
-                                        </p:attrNameLst>
-                                      </p:cBhvr>
-                                      <p:to>
-                                        <p:strVal val="visible"/>
-                                      </p:to>
-                                    </p:set>
-                                    <p:animEffect transition="in" filter="fade">
-                                      <p:cBhvr>
-                                        <p:cTn id="74" dur="500"/>
-                                        <p:tgtEl>
-                                          <p:spTgt spid="3">
-                                            <p:txEl>
-                                              <p:pRg st="15" end="15"/>
-                                            </p:txEl>
-                                          </p:spTgt>
-                                        </p:tgtEl>
-                                      </p:cBhvr>
-                                    </p:animEffect>
-                                  </p:childTnLst>
-                                </p:cTn>
-                              </p:par>
-                            </p:childTnLst>
-                          </p:cTn>
-                        </p:par>
-                      </p:childTnLst>
-                    </p:cTn>
-                  </p:par>
-                  <p:par>
-                    <p:cTn id="75" fill="hold">
-                      <p:stCondLst>
-                        <p:cond delay="indefinite"/>
-                      </p:stCondLst>
-                      <p:childTnLst>
-                        <p:par>
-                          <p:cTn id="76" fill="hold">
-                            <p:stCondLst>
-                              <p:cond delay="0"/>
-                            </p:stCondLst>
-                            <p:childTnLst>
-                              <p:par>
-                                <p:cTn id="77" presetID="10" presetClass="entr" presetSubtype="0" fill="hold" nodeType="clickEffect">
-                                  <p:stCondLst>
-                                    <p:cond delay="0"/>
-                                  </p:stCondLst>
-                                  <p:childTnLst>
-                                    <p:set>
-                                      <p:cBhvr>
-                                        <p:cTn id="78" dur="1" fill="hold">
-                                          <p:stCondLst>
-                                            <p:cond delay="0"/>
-                                          </p:stCondLst>
-                                        </p:cTn>
-                                        <p:tgtEl>
-                                          <p:spTgt spid="3">
-                                            <p:txEl>
-                                              <p:pRg st="16" end="16"/>
-                                            </p:txEl>
-                                          </p:spTgt>
-                                        </p:tgtEl>
-                                        <p:attrNameLst>
-                                          <p:attrName>style.visibility</p:attrName>
-                                        </p:attrNameLst>
-                                      </p:cBhvr>
-                                      <p:to>
-                                        <p:strVal val="visible"/>
-                                      </p:to>
-                                    </p:set>
-                                    <p:animEffect transition="in" filter="fade">
-                                      <p:cBhvr>
-                                        <p:cTn id="79" dur="500"/>
-                                        <p:tgtEl>
-                                          <p:spTgt spid="3">
-                                            <p:txEl>
-                                              <p:pRg st="16" end="16"/>
-                                            </p:txEl>
-                                          </p:spTgt>
+                                        <p:cTn id="128" dur="500"/>
+                                        <p:tgtEl>
+                                          <p:spTgt spid="23"/>
                                         </p:tgtEl>
                                       </p:cBhvr>
                                     </p:animEffect>
@@ -11972,81 +12811,28 @@
         </p:cTn>
       </p:par>
     </p:tnLst>
-  </p:timing>
-</p:sld>
-</file>
-
-<file path=ppt/slides/slide6.xml><?xml version="1.0" encoding="utf-8"?>
-<p:sld xmlns:a="http://schemas.openxmlformats.org/drawingml/2006/main" xmlns:r="http://schemas.openxmlformats.org/officeDocument/2006/relationships" xmlns:p="http://schemas.openxmlformats.org/presentationml/2006/main">
-  <p:cSld>
-    <p:spTree>
-      <p:nvGrpSpPr>
-        <p:cNvPr id="1" name=""/>
-        <p:cNvGrpSpPr/>
-        <p:nvPr/>
-      </p:nvGrpSpPr>
-      <p:grpSpPr>
-        <a:xfrm>
-          <a:off x="0" y="0"/>
-          <a:ext cx="0" cy="0"/>
-          <a:chOff x="0" y="0"/>
-          <a:chExt cx="0" cy="0"/>
-        </a:xfrm>
-      </p:grpSpPr>
-      <p:sp>
-        <p:nvSpPr>
-          <p:cNvPr id="2" name="Title 1"/>
-          <p:cNvSpPr>
-            <a:spLocks noGrp="1"/>
-          </p:cNvSpPr>
-          <p:nvPr>
-            <p:ph type="title"/>
-          </p:nvPr>
-        </p:nvSpPr>
-        <p:spPr/>
-        <p:txBody>
-          <a:bodyPr/>
-          <a:lstStyle/>
-          <a:p>
-            <a:endParaRPr lang="en-US"/>
-          </a:p>
-        </p:txBody>
-      </p:sp>
-      <p:sp>
-        <p:nvSpPr>
-          <p:cNvPr id="3" name="Content Placeholder 2"/>
-          <p:cNvSpPr>
-            <a:spLocks noGrp="1"/>
-          </p:cNvSpPr>
-          <p:nvPr>
-            <p:ph idx="1"/>
-          </p:nvPr>
-        </p:nvSpPr>
-        <p:spPr/>
-        <p:txBody>
-          <a:bodyPr/>
-          <a:lstStyle/>
-          <a:p>
-            <a:endParaRPr lang="en-US"/>
-          </a:p>
-        </p:txBody>
-      </p:sp>
-    </p:spTree>
-    <p:extLst>
-      <p:ext uri="{BB962C8B-B14F-4D97-AF65-F5344CB8AC3E}">
-        <p14:creationId xmlns:p14="http://schemas.microsoft.com/office/powerpoint/2010/main" val="593935912"/>
-      </p:ext>
-    </p:extLst>
-  </p:cSld>
-  <p:clrMapOvr>
-    <a:masterClrMapping/>
-  </p:clrMapOvr>
-  <p:timing>
-    <p:tnLst>
-      <p:par>
-        <p:cTn id="1" dur="indefinite" restart="never" nodeType="tmRoot"/>
-      </p:par>
-    </p:tnLst>
+    <p:bldLst>
+      <p:bldP spid="9" grpId="0" animBg="1"/>
+      <p:bldP spid="9" grpId="1" animBg="1"/>
+      <p:bldP spid="9" grpId="2" animBg="1"/>
+      <p:bldP spid="10" grpId="0" animBg="1"/>
+      <p:bldP spid="10" grpId="1" animBg="1"/>
+      <p:bldP spid="10" grpId="2" animBg="1"/>
+      <p:bldP spid="11" grpId="0" animBg="1"/>
+      <p:bldP spid="11" grpId="1" animBg="1"/>
+      <p:bldP spid="11" grpId="2" animBg="1"/>
+      <p:bldP spid="14" grpId="0" animBg="1"/>
+      <p:bldP spid="14" grpId="1" animBg="1"/>
+      <p:bldP spid="15" grpId="0" animBg="1"/>
+      <p:bldP spid="15" grpId="1" animBg="1"/>
+      <p:bldP spid="16" grpId="0" animBg="1"/>
+      <p:bldP spid="16" grpId="1" animBg="1"/>
+      <p:bldP spid="19" grpId="0" animBg="1"/>
+      <p:bldP spid="19" grpId="1" animBg="1"/>
+      <p:bldP spid="21" grpId="0"/>
+      <p:bldP spid="21" grpId="1"/>
+      <p:bldP spid="23" grpId="0" animBg="1"/>
+    </p:bldLst>
   </p:timing>
 </p:sld>
 </file>
